--- a/img/CHU_Beispiele.pptx
+++ b/img/CHU_Beispiele.pptx
@@ -2,18 +2,21 @@
 <file path=ppt/presentation.xml><?xml version="1.0" encoding="utf-8"?>
 <p:presentation xmlns:a="http://schemas.openxmlformats.org/drawingml/2006/main" xmlns:r="http://schemas.openxmlformats.org/officeDocument/2006/relationships" xmlns:p="http://schemas.openxmlformats.org/presentationml/2006/main" saveSubsetFonts="1" autoCompressPictures="0">
   <p:sldMasterIdLst>
-    <p:sldMasterId id="2147483648" r:id="rId1"/>
+    <p:sldMasterId id="2147483684" r:id="rId1"/>
   </p:sldMasterIdLst>
+  <p:notesMasterIdLst>
+    <p:notesMasterId r:id="rId3"/>
+  </p:notesMasterIdLst>
   <p:sldIdLst>
     <p:sldId id="256" r:id="rId2"/>
   </p:sldIdLst>
-  <p:sldSz cx="12192000" cy="6858000"/>
+  <p:sldSz cx="18000663" cy="12599988"/>
   <p:notesSz cx="6858000" cy="9144000"/>
   <p:defaultTextStyle>
     <a:defPPr>
-      <a:defRPr lang="de-DE"/>
+      <a:defRPr lang="en-US"/>
     </a:defPPr>
-    <a:lvl1pPr marL="0" algn="l" defTabSz="914400" rtl="0" eaLnBrk="1" latinLnBrk="0" hangingPunct="1">
+    <a:lvl1pPr marL="0" algn="l" defTabSz="457200" rtl="0" eaLnBrk="1" latinLnBrk="0" hangingPunct="1">
       <a:defRPr sz="1800" kern="1200">
         <a:solidFill>
           <a:schemeClr val="tx1"/>
@@ -23,7 +26,7 @@
         <a:cs typeface="+mn-cs"/>
       </a:defRPr>
     </a:lvl1pPr>
-    <a:lvl2pPr marL="457200" algn="l" defTabSz="914400" rtl="0" eaLnBrk="1" latinLnBrk="0" hangingPunct="1">
+    <a:lvl2pPr marL="457200" algn="l" defTabSz="457200" rtl="0" eaLnBrk="1" latinLnBrk="0" hangingPunct="1">
       <a:defRPr sz="1800" kern="1200">
         <a:solidFill>
           <a:schemeClr val="tx1"/>
@@ -33,7 +36,7 @@
         <a:cs typeface="+mn-cs"/>
       </a:defRPr>
     </a:lvl2pPr>
-    <a:lvl3pPr marL="914400" algn="l" defTabSz="914400" rtl="0" eaLnBrk="1" latinLnBrk="0" hangingPunct="1">
+    <a:lvl3pPr marL="914400" algn="l" defTabSz="457200" rtl="0" eaLnBrk="1" latinLnBrk="0" hangingPunct="1">
       <a:defRPr sz="1800" kern="1200">
         <a:solidFill>
           <a:schemeClr val="tx1"/>
@@ -43,7 +46,7 @@
         <a:cs typeface="+mn-cs"/>
       </a:defRPr>
     </a:lvl3pPr>
-    <a:lvl4pPr marL="1371600" algn="l" defTabSz="914400" rtl="0" eaLnBrk="1" latinLnBrk="0" hangingPunct="1">
+    <a:lvl4pPr marL="1371600" algn="l" defTabSz="457200" rtl="0" eaLnBrk="1" latinLnBrk="0" hangingPunct="1">
       <a:defRPr sz="1800" kern="1200">
         <a:solidFill>
           <a:schemeClr val="tx1"/>
@@ -53,7 +56,7 @@
         <a:cs typeface="+mn-cs"/>
       </a:defRPr>
     </a:lvl4pPr>
-    <a:lvl5pPr marL="1828800" algn="l" defTabSz="914400" rtl="0" eaLnBrk="1" latinLnBrk="0" hangingPunct="1">
+    <a:lvl5pPr marL="1828800" algn="l" defTabSz="457200" rtl="0" eaLnBrk="1" latinLnBrk="0" hangingPunct="1">
       <a:defRPr sz="1800" kern="1200">
         <a:solidFill>
           <a:schemeClr val="tx1"/>
@@ -63,7 +66,7 @@
         <a:cs typeface="+mn-cs"/>
       </a:defRPr>
     </a:lvl5pPr>
-    <a:lvl6pPr marL="2286000" algn="l" defTabSz="914400" rtl="0" eaLnBrk="1" latinLnBrk="0" hangingPunct="1">
+    <a:lvl6pPr marL="2286000" algn="l" defTabSz="457200" rtl="0" eaLnBrk="1" latinLnBrk="0" hangingPunct="1">
       <a:defRPr sz="1800" kern="1200">
         <a:solidFill>
           <a:schemeClr val="tx1"/>
@@ -73,7 +76,7 @@
         <a:cs typeface="+mn-cs"/>
       </a:defRPr>
     </a:lvl6pPr>
-    <a:lvl7pPr marL="2743200" algn="l" defTabSz="914400" rtl="0" eaLnBrk="1" latinLnBrk="0" hangingPunct="1">
+    <a:lvl7pPr marL="2743200" algn="l" defTabSz="457200" rtl="0" eaLnBrk="1" latinLnBrk="0" hangingPunct="1">
       <a:defRPr sz="1800" kern="1200">
         <a:solidFill>
           <a:schemeClr val="tx1"/>
@@ -83,7 +86,7 @@
         <a:cs typeface="+mn-cs"/>
       </a:defRPr>
     </a:lvl7pPr>
-    <a:lvl8pPr marL="3200400" algn="l" defTabSz="914400" rtl="0" eaLnBrk="1" latinLnBrk="0" hangingPunct="1">
+    <a:lvl8pPr marL="3200400" algn="l" defTabSz="457200" rtl="0" eaLnBrk="1" latinLnBrk="0" hangingPunct="1">
       <a:defRPr sz="1800" kern="1200">
         <a:solidFill>
           <a:schemeClr val="tx1"/>
@@ -93,7 +96,7 @@
         <a:cs typeface="+mn-cs"/>
       </a:defRPr>
     </a:lvl8pPr>
-    <a:lvl9pPr marL="3657600" algn="l" defTabSz="914400" rtl="0" eaLnBrk="1" latinLnBrk="0" hangingPunct="1">
+    <a:lvl9pPr marL="3657600" algn="l" defTabSz="457200" rtl="0" eaLnBrk="1" latinLnBrk="0" hangingPunct="1">
       <a:defRPr sz="1800" kern="1200">
         <a:solidFill>
           <a:schemeClr val="tx1"/>
@@ -110,6 +113,444 @@
     </p:ext>
   </p:extLst>
 </p:presentation>
+</file>
+
+<file path=ppt/notesMasters/notesMaster1.xml><?xml version="1.0" encoding="utf-8"?>
+<p:notesMaster xmlns:a="http://schemas.openxmlformats.org/drawingml/2006/main" xmlns:r="http://schemas.openxmlformats.org/officeDocument/2006/relationships" xmlns:p="http://schemas.openxmlformats.org/presentationml/2006/main">
+  <p:cSld>
+    <p:bg>
+      <p:bgRef idx="1001">
+        <a:schemeClr val="bg1"/>
+      </p:bgRef>
+    </p:bg>
+    <p:spTree>
+      <p:nvGrpSpPr>
+        <p:cNvPr id="1" name=""/>
+        <p:cNvGrpSpPr/>
+        <p:nvPr/>
+      </p:nvGrpSpPr>
+      <p:grpSpPr>
+        <a:xfrm>
+          <a:off x="0" y="0"/>
+          <a:ext cx="0" cy="0"/>
+          <a:chOff x="0" y="0"/>
+          <a:chExt cx="0" cy="0"/>
+        </a:xfrm>
+      </p:grpSpPr>
+      <p:sp>
+        <p:nvSpPr>
+          <p:cNvPr id="2" name="Kopfzeilenplatzhalter 1"/>
+          <p:cNvSpPr>
+            <a:spLocks noGrp="1"/>
+          </p:cNvSpPr>
+          <p:nvPr>
+            <p:ph type="hdr" sz="quarter"/>
+          </p:nvPr>
+        </p:nvSpPr>
+        <p:spPr>
+          <a:xfrm>
+            <a:off x="0" y="0"/>
+            <a:ext cx="2971800" cy="458788"/>
+          </a:xfrm>
+          <a:prstGeom prst="rect">
+            <a:avLst/>
+          </a:prstGeom>
+        </p:spPr>
+        <p:txBody>
+          <a:bodyPr vert="horz" lIns="91440" tIns="45720" rIns="91440" bIns="45720" rtlCol="0"/>
+          <a:lstStyle>
+            <a:lvl1pPr algn="l">
+              <a:defRPr sz="1200"/>
+            </a:lvl1pPr>
+          </a:lstStyle>
+          <a:p>
+            <a:endParaRPr lang="de-DE"/>
+          </a:p>
+        </p:txBody>
+      </p:sp>
+      <p:sp>
+        <p:nvSpPr>
+          <p:cNvPr id="3" name="Datumsplatzhalter 2"/>
+          <p:cNvSpPr>
+            <a:spLocks noGrp="1"/>
+          </p:cNvSpPr>
+          <p:nvPr>
+            <p:ph type="dt" idx="1"/>
+          </p:nvPr>
+        </p:nvSpPr>
+        <p:spPr>
+          <a:xfrm>
+            <a:off x="3884613" y="0"/>
+            <a:ext cx="2971800" cy="458788"/>
+          </a:xfrm>
+          <a:prstGeom prst="rect">
+            <a:avLst/>
+          </a:prstGeom>
+        </p:spPr>
+        <p:txBody>
+          <a:bodyPr vert="horz" lIns="91440" tIns="45720" rIns="91440" bIns="45720" rtlCol="0"/>
+          <a:lstStyle>
+            <a:lvl1pPr algn="r">
+              <a:defRPr sz="1200"/>
+            </a:lvl1pPr>
+          </a:lstStyle>
+          <a:p>
+            <a:fld id="{91C607F6-0D6D-4241-87B1-E8216A31A969}" type="datetimeFigureOut">
+              <a:rPr lang="de-DE" smtClean="0"/>
+              <a:t>11.07.24</a:t>
+            </a:fld>
+            <a:endParaRPr lang="de-DE"/>
+          </a:p>
+        </p:txBody>
+      </p:sp>
+      <p:sp>
+        <p:nvSpPr>
+          <p:cNvPr id="4" name="Folienbildplatzhalter 3"/>
+          <p:cNvSpPr>
+            <a:spLocks noGrp="1" noRot="1" noChangeAspect="1"/>
+          </p:cNvSpPr>
+          <p:nvPr>
+            <p:ph type="sldImg" idx="2"/>
+          </p:nvPr>
+        </p:nvSpPr>
+        <p:spPr>
+          <a:xfrm>
+            <a:off x="1223963" y="1143000"/>
+            <a:ext cx="4410075" cy="3086100"/>
+          </a:xfrm>
+          <a:prstGeom prst="rect">
+            <a:avLst/>
+          </a:prstGeom>
+          <a:noFill/>
+          <a:ln w="12700">
+            <a:solidFill>
+              <a:prstClr val="black"/>
+            </a:solidFill>
+          </a:ln>
+        </p:spPr>
+        <p:txBody>
+          <a:bodyPr vert="horz" lIns="91440" tIns="45720" rIns="91440" bIns="45720" rtlCol="0" anchor="ctr"/>
+          <a:lstStyle/>
+          <a:p>
+            <a:endParaRPr lang="de-DE"/>
+          </a:p>
+        </p:txBody>
+      </p:sp>
+      <p:sp>
+        <p:nvSpPr>
+          <p:cNvPr id="5" name="Notizenplatzhalter 4"/>
+          <p:cNvSpPr>
+            <a:spLocks noGrp="1"/>
+          </p:cNvSpPr>
+          <p:nvPr>
+            <p:ph type="body" sz="quarter" idx="3"/>
+          </p:nvPr>
+        </p:nvSpPr>
+        <p:spPr>
+          <a:xfrm>
+            <a:off x="685800" y="4400550"/>
+            <a:ext cx="5486400" cy="3600450"/>
+          </a:xfrm>
+          <a:prstGeom prst="rect">
+            <a:avLst/>
+          </a:prstGeom>
+        </p:spPr>
+        <p:txBody>
+          <a:bodyPr vert="horz" lIns="91440" tIns="45720" rIns="91440" bIns="45720" rtlCol="0"/>
+          <a:lstStyle/>
+          <a:p>
+            <a:pPr lvl="0"/>
+            <a:r>
+              <a:rPr lang="de-DE"/>
+              <a:t>Mastertextformat bearbeiten</a:t>
+            </a:r>
+          </a:p>
+          <a:p>
+            <a:pPr lvl="1"/>
+            <a:r>
+              <a:rPr lang="de-DE"/>
+              <a:t>Zweite Ebene</a:t>
+            </a:r>
+          </a:p>
+          <a:p>
+            <a:pPr lvl="2"/>
+            <a:r>
+              <a:rPr lang="de-DE"/>
+              <a:t>Dritte Ebene</a:t>
+            </a:r>
+          </a:p>
+          <a:p>
+            <a:pPr lvl="3"/>
+            <a:r>
+              <a:rPr lang="de-DE"/>
+              <a:t>Vierte Ebene</a:t>
+            </a:r>
+          </a:p>
+          <a:p>
+            <a:pPr lvl="4"/>
+            <a:r>
+              <a:rPr lang="de-DE"/>
+              <a:t>Fünfte Ebene</a:t>
+            </a:r>
+          </a:p>
+        </p:txBody>
+      </p:sp>
+      <p:sp>
+        <p:nvSpPr>
+          <p:cNvPr id="6" name="Fußzeilenplatzhalter 5"/>
+          <p:cNvSpPr>
+            <a:spLocks noGrp="1"/>
+          </p:cNvSpPr>
+          <p:nvPr>
+            <p:ph type="ftr" sz="quarter" idx="4"/>
+          </p:nvPr>
+        </p:nvSpPr>
+        <p:spPr>
+          <a:xfrm>
+            <a:off x="0" y="8685213"/>
+            <a:ext cx="2971800" cy="458787"/>
+          </a:xfrm>
+          <a:prstGeom prst="rect">
+            <a:avLst/>
+          </a:prstGeom>
+        </p:spPr>
+        <p:txBody>
+          <a:bodyPr vert="horz" lIns="91440" tIns="45720" rIns="91440" bIns="45720" rtlCol="0" anchor="b"/>
+          <a:lstStyle>
+            <a:lvl1pPr algn="l">
+              <a:defRPr sz="1200"/>
+            </a:lvl1pPr>
+          </a:lstStyle>
+          <a:p>
+            <a:endParaRPr lang="de-DE"/>
+          </a:p>
+        </p:txBody>
+      </p:sp>
+      <p:sp>
+        <p:nvSpPr>
+          <p:cNvPr id="7" name="Foliennummernplatzhalter 6"/>
+          <p:cNvSpPr>
+            <a:spLocks noGrp="1"/>
+          </p:cNvSpPr>
+          <p:nvPr>
+            <p:ph type="sldNum" sz="quarter" idx="5"/>
+          </p:nvPr>
+        </p:nvSpPr>
+        <p:spPr>
+          <a:xfrm>
+            <a:off x="3884613" y="8685213"/>
+            <a:ext cx="2971800" cy="458787"/>
+          </a:xfrm>
+          <a:prstGeom prst="rect">
+            <a:avLst/>
+          </a:prstGeom>
+        </p:spPr>
+        <p:txBody>
+          <a:bodyPr vert="horz" lIns="91440" tIns="45720" rIns="91440" bIns="45720" rtlCol="0" anchor="b"/>
+          <a:lstStyle>
+            <a:lvl1pPr algn="r">
+              <a:defRPr sz="1200"/>
+            </a:lvl1pPr>
+          </a:lstStyle>
+          <a:p>
+            <a:fld id="{B0B33439-4748-4649-9F32-5059C17715C2}" type="slidenum">
+              <a:rPr lang="de-DE" smtClean="0"/>
+              <a:t>‹Nr.›</a:t>
+            </a:fld>
+            <a:endParaRPr lang="de-DE"/>
+          </a:p>
+        </p:txBody>
+      </p:sp>
+    </p:spTree>
+    <p:extLst>
+      <p:ext uri="{BB962C8B-B14F-4D97-AF65-F5344CB8AC3E}">
+        <p14:creationId xmlns:p14="http://schemas.microsoft.com/office/powerpoint/2010/main" val="671852088"/>
+      </p:ext>
+    </p:extLst>
+  </p:cSld>
+  <p:clrMap bg1="lt1" tx1="dk1" bg2="lt2" tx2="dk2" accent1="accent1" accent2="accent2" accent3="accent3" accent4="accent4" accent5="accent5" accent6="accent6" hlink="hlink" folHlink="folHlink"/>
+  <p:notesStyle>
+    <a:lvl1pPr marL="0" algn="l" defTabSz="1468733" rtl="0" eaLnBrk="1" latinLnBrk="0" hangingPunct="1">
+      <a:defRPr sz="1928" kern="1200">
+        <a:solidFill>
+          <a:schemeClr val="tx1"/>
+        </a:solidFill>
+        <a:latin typeface="+mn-lt"/>
+        <a:ea typeface="+mn-ea"/>
+        <a:cs typeface="+mn-cs"/>
+      </a:defRPr>
+    </a:lvl1pPr>
+    <a:lvl2pPr marL="734367" algn="l" defTabSz="1468733" rtl="0" eaLnBrk="1" latinLnBrk="0" hangingPunct="1">
+      <a:defRPr sz="1928" kern="1200">
+        <a:solidFill>
+          <a:schemeClr val="tx1"/>
+        </a:solidFill>
+        <a:latin typeface="+mn-lt"/>
+        <a:ea typeface="+mn-ea"/>
+        <a:cs typeface="+mn-cs"/>
+      </a:defRPr>
+    </a:lvl2pPr>
+    <a:lvl3pPr marL="1468733" algn="l" defTabSz="1468733" rtl="0" eaLnBrk="1" latinLnBrk="0" hangingPunct="1">
+      <a:defRPr sz="1928" kern="1200">
+        <a:solidFill>
+          <a:schemeClr val="tx1"/>
+        </a:solidFill>
+        <a:latin typeface="+mn-lt"/>
+        <a:ea typeface="+mn-ea"/>
+        <a:cs typeface="+mn-cs"/>
+      </a:defRPr>
+    </a:lvl3pPr>
+    <a:lvl4pPr marL="2203100" algn="l" defTabSz="1468733" rtl="0" eaLnBrk="1" latinLnBrk="0" hangingPunct="1">
+      <a:defRPr sz="1928" kern="1200">
+        <a:solidFill>
+          <a:schemeClr val="tx1"/>
+        </a:solidFill>
+        <a:latin typeface="+mn-lt"/>
+        <a:ea typeface="+mn-ea"/>
+        <a:cs typeface="+mn-cs"/>
+      </a:defRPr>
+    </a:lvl4pPr>
+    <a:lvl5pPr marL="2937466" algn="l" defTabSz="1468733" rtl="0" eaLnBrk="1" latinLnBrk="0" hangingPunct="1">
+      <a:defRPr sz="1928" kern="1200">
+        <a:solidFill>
+          <a:schemeClr val="tx1"/>
+        </a:solidFill>
+        <a:latin typeface="+mn-lt"/>
+        <a:ea typeface="+mn-ea"/>
+        <a:cs typeface="+mn-cs"/>
+      </a:defRPr>
+    </a:lvl5pPr>
+    <a:lvl6pPr marL="3671833" algn="l" defTabSz="1468733" rtl="0" eaLnBrk="1" latinLnBrk="0" hangingPunct="1">
+      <a:defRPr sz="1928" kern="1200">
+        <a:solidFill>
+          <a:schemeClr val="tx1"/>
+        </a:solidFill>
+        <a:latin typeface="+mn-lt"/>
+        <a:ea typeface="+mn-ea"/>
+        <a:cs typeface="+mn-cs"/>
+      </a:defRPr>
+    </a:lvl6pPr>
+    <a:lvl7pPr marL="4406199" algn="l" defTabSz="1468733" rtl="0" eaLnBrk="1" latinLnBrk="0" hangingPunct="1">
+      <a:defRPr sz="1928" kern="1200">
+        <a:solidFill>
+          <a:schemeClr val="tx1"/>
+        </a:solidFill>
+        <a:latin typeface="+mn-lt"/>
+        <a:ea typeface="+mn-ea"/>
+        <a:cs typeface="+mn-cs"/>
+      </a:defRPr>
+    </a:lvl7pPr>
+    <a:lvl8pPr marL="5140566" algn="l" defTabSz="1468733" rtl="0" eaLnBrk="1" latinLnBrk="0" hangingPunct="1">
+      <a:defRPr sz="1928" kern="1200">
+        <a:solidFill>
+          <a:schemeClr val="tx1"/>
+        </a:solidFill>
+        <a:latin typeface="+mn-lt"/>
+        <a:ea typeface="+mn-ea"/>
+        <a:cs typeface="+mn-cs"/>
+      </a:defRPr>
+    </a:lvl8pPr>
+    <a:lvl9pPr marL="5874932" algn="l" defTabSz="1468733" rtl="0" eaLnBrk="1" latinLnBrk="0" hangingPunct="1">
+      <a:defRPr sz="1928" kern="1200">
+        <a:solidFill>
+          <a:schemeClr val="tx1"/>
+        </a:solidFill>
+        <a:latin typeface="+mn-lt"/>
+        <a:ea typeface="+mn-ea"/>
+        <a:cs typeface="+mn-cs"/>
+      </a:defRPr>
+    </a:lvl9pPr>
+  </p:notesStyle>
+</p:notesMaster>
+</file>
+
+<file path=ppt/notesSlides/notesSlide1.xml><?xml version="1.0" encoding="utf-8"?>
+<p:notes xmlns:a="http://schemas.openxmlformats.org/drawingml/2006/main" xmlns:r="http://schemas.openxmlformats.org/officeDocument/2006/relationships" xmlns:p="http://schemas.openxmlformats.org/presentationml/2006/main">
+  <p:cSld>
+    <p:spTree>
+      <p:nvGrpSpPr>
+        <p:cNvPr id="1" name=""/>
+        <p:cNvGrpSpPr/>
+        <p:nvPr/>
+      </p:nvGrpSpPr>
+      <p:grpSpPr>
+        <a:xfrm>
+          <a:off x="0" y="0"/>
+          <a:ext cx="0" cy="0"/>
+          <a:chOff x="0" y="0"/>
+          <a:chExt cx="0" cy="0"/>
+        </a:xfrm>
+      </p:grpSpPr>
+      <p:sp>
+        <p:nvSpPr>
+          <p:cNvPr id="2" name="Folienbildplatzhalter 1"/>
+          <p:cNvSpPr>
+            <a:spLocks noGrp="1" noRot="1" noChangeAspect="1"/>
+          </p:cNvSpPr>
+          <p:nvPr>
+            <p:ph type="sldImg"/>
+          </p:nvPr>
+        </p:nvSpPr>
+        <p:spPr>
+          <a:xfrm>
+            <a:off x="1223963" y="1143000"/>
+            <a:ext cx="4410075" cy="3086100"/>
+          </a:xfrm>
+        </p:spPr>
+      </p:sp>
+      <p:sp>
+        <p:nvSpPr>
+          <p:cNvPr id="3" name="Notizenplatzhalter 2"/>
+          <p:cNvSpPr>
+            <a:spLocks noGrp="1"/>
+          </p:cNvSpPr>
+          <p:nvPr>
+            <p:ph type="body" idx="1"/>
+          </p:nvPr>
+        </p:nvSpPr>
+        <p:spPr/>
+        <p:txBody>
+          <a:bodyPr/>
+          <a:lstStyle/>
+          <a:p>
+            <a:endParaRPr lang="de-DE" dirty="0"/>
+          </a:p>
+        </p:txBody>
+      </p:sp>
+      <p:sp>
+        <p:nvSpPr>
+          <p:cNvPr id="4" name="Foliennummernplatzhalter 3"/>
+          <p:cNvSpPr>
+            <a:spLocks noGrp="1"/>
+          </p:cNvSpPr>
+          <p:nvPr>
+            <p:ph type="sldNum" sz="quarter" idx="5"/>
+          </p:nvPr>
+        </p:nvSpPr>
+        <p:spPr/>
+        <p:txBody>
+          <a:bodyPr/>
+          <a:lstStyle/>
+          <a:p>
+            <a:fld id="{B0B33439-4748-4649-9F32-5059C17715C2}" type="slidenum">
+              <a:rPr lang="de-DE" smtClean="0"/>
+              <a:t>1</a:t>
+            </a:fld>
+            <a:endParaRPr lang="de-DE"/>
+          </a:p>
+        </p:txBody>
+      </p:sp>
+    </p:spTree>
+    <p:extLst>
+      <p:ext uri="{BB962C8B-B14F-4D97-AF65-F5344CB8AC3E}">
+        <p14:creationId xmlns:p14="http://schemas.microsoft.com/office/powerpoint/2010/main" val="3164872833"/>
+      </p:ext>
+    </p:extLst>
+  </p:cSld>
+  <p:clrMapOvr>
+    <a:masterClrMapping/>
+  </p:clrMapOvr>
+</p:notes>
 </file>
 
 <file path=ppt/slideLayouts/slideLayout1.xml><?xml version="1.0" encoding="utf-8"?>
@@ -131,13 +572,7 @@
       </p:grpSpPr>
       <p:sp>
         <p:nvSpPr>
-          <p:cNvPr id="2" name="Titel 1">
-            <a:extLst>
-              <a:ext uri="{FF2B5EF4-FFF2-40B4-BE49-F238E27FC236}">
-                <a16:creationId xmlns:a16="http://schemas.microsoft.com/office/drawing/2014/main" id="{6DF1F115-974C-777B-96AF-AC57DDA98C83}"/>
-              </a:ext>
-            </a:extLst>
-          </p:cNvPr>
+          <p:cNvPr id="2" name="Title 1"/>
           <p:cNvSpPr>
             <a:spLocks noGrp="1"/>
           </p:cNvSpPr>
@@ -147,15 +582,15 @@
         </p:nvSpPr>
         <p:spPr>
           <a:xfrm>
-            <a:off x="1524000" y="1122363"/>
-            <a:ext cx="9144000" cy="2387600"/>
+            <a:off x="1350050" y="2062083"/>
+            <a:ext cx="15300564" cy="4386662"/>
           </a:xfrm>
         </p:spPr>
         <p:txBody>
           <a:bodyPr anchor="b"/>
           <a:lstStyle>
             <a:lvl1pPr algn="ctr">
-              <a:defRPr sz="6000"/>
+              <a:defRPr sz="11024"/>
             </a:lvl1pPr>
           </a:lstStyle>
           <a:p>
@@ -163,18 +598,13 @@
               <a:rPr lang="de-DE"/>
               <a:t>Mastertitelformat bearbeiten</a:t>
             </a:r>
-          </a:p>
-        </p:txBody>
-      </p:sp>
-      <p:sp>
-        <p:nvSpPr>
-          <p:cNvPr id="3" name="Untertitel 2">
-            <a:extLst>
-              <a:ext uri="{FF2B5EF4-FFF2-40B4-BE49-F238E27FC236}">
-                <a16:creationId xmlns:a16="http://schemas.microsoft.com/office/drawing/2014/main" id="{AD12E827-7EFF-CEBA-6EB5-D5A4E7061E39}"/>
-              </a:ext>
-            </a:extLst>
-          </p:cNvPr>
+            <a:endParaRPr lang="en-US" dirty="0"/>
+          </a:p>
+        </p:txBody>
+      </p:sp>
+      <p:sp>
+        <p:nvSpPr>
+          <p:cNvPr id="3" name="Subtitle 2"/>
           <p:cNvSpPr>
             <a:spLocks noGrp="1"/>
           </p:cNvSpPr>
@@ -184,8 +614,8 @@
         </p:nvSpPr>
         <p:spPr>
           <a:xfrm>
-            <a:off x="1524000" y="3602038"/>
-            <a:ext cx="9144000" cy="1655762"/>
+            <a:off x="2250083" y="6617911"/>
+            <a:ext cx="13500497" cy="3042080"/>
           </a:xfrm>
         </p:spPr>
         <p:txBody>
@@ -193,39 +623,39 @@
           <a:lstStyle>
             <a:lvl1pPr marL="0" indent="0" algn="ctr">
               <a:buNone/>
-              <a:defRPr sz="2400"/>
+              <a:defRPr sz="4410"/>
             </a:lvl1pPr>
-            <a:lvl2pPr marL="457200" indent="0" algn="ctr">
-              <a:buNone/>
-              <a:defRPr sz="2000"/>
+            <a:lvl2pPr marL="840014" indent="0" algn="ctr">
+              <a:buNone/>
+              <a:defRPr sz="3675"/>
             </a:lvl2pPr>
-            <a:lvl3pPr marL="914400" indent="0" algn="ctr">
-              <a:buNone/>
-              <a:defRPr sz="1800"/>
+            <a:lvl3pPr marL="1680027" indent="0" algn="ctr">
+              <a:buNone/>
+              <a:defRPr sz="3307"/>
             </a:lvl3pPr>
-            <a:lvl4pPr marL="1371600" indent="0" algn="ctr">
-              <a:buNone/>
-              <a:defRPr sz="1600"/>
+            <a:lvl4pPr marL="2520041" indent="0" algn="ctr">
+              <a:buNone/>
+              <a:defRPr sz="2940"/>
             </a:lvl4pPr>
-            <a:lvl5pPr marL="1828800" indent="0" algn="ctr">
-              <a:buNone/>
-              <a:defRPr sz="1600"/>
+            <a:lvl5pPr marL="3360054" indent="0" algn="ctr">
+              <a:buNone/>
+              <a:defRPr sz="2940"/>
             </a:lvl5pPr>
-            <a:lvl6pPr marL="2286000" indent="0" algn="ctr">
-              <a:buNone/>
-              <a:defRPr sz="1600"/>
+            <a:lvl6pPr marL="4200068" indent="0" algn="ctr">
+              <a:buNone/>
+              <a:defRPr sz="2940"/>
             </a:lvl6pPr>
-            <a:lvl7pPr marL="2743200" indent="0" algn="ctr">
-              <a:buNone/>
-              <a:defRPr sz="1600"/>
+            <a:lvl7pPr marL="5040081" indent="0" algn="ctr">
+              <a:buNone/>
+              <a:defRPr sz="2940"/>
             </a:lvl7pPr>
-            <a:lvl8pPr marL="3200400" indent="0" algn="ctr">
-              <a:buNone/>
-              <a:defRPr sz="1600"/>
+            <a:lvl8pPr marL="5880095" indent="0" algn="ctr">
+              <a:buNone/>
+              <a:defRPr sz="2940"/>
             </a:lvl8pPr>
-            <a:lvl9pPr marL="3657600" indent="0" algn="ctr">
-              <a:buNone/>
-              <a:defRPr sz="1600"/>
+            <a:lvl9pPr marL="6720108" indent="0" algn="ctr">
+              <a:buNone/>
+              <a:defRPr sz="2940"/>
             </a:lvl9pPr>
           </a:lstStyle>
           <a:p>
@@ -233,18 +663,13 @@
               <a:rPr lang="de-DE"/>
               <a:t>Master-Untertitelformat bearbeiten</a:t>
             </a:r>
-          </a:p>
-        </p:txBody>
-      </p:sp>
-      <p:sp>
-        <p:nvSpPr>
-          <p:cNvPr id="4" name="Datumsplatzhalter 3">
-            <a:extLst>
-              <a:ext uri="{FF2B5EF4-FFF2-40B4-BE49-F238E27FC236}">
-                <a16:creationId xmlns:a16="http://schemas.microsoft.com/office/drawing/2014/main" id="{340F04F1-D19F-B11A-2856-225D9E5EFAF3}"/>
-              </a:ext>
-            </a:extLst>
-          </p:cNvPr>
+            <a:endParaRPr lang="en-US" dirty="0"/>
+          </a:p>
+        </p:txBody>
+      </p:sp>
+      <p:sp>
+        <p:nvSpPr>
+          <p:cNvPr id="4" name="Date Placeholder 3"/>
           <p:cNvSpPr>
             <a:spLocks noGrp="1"/>
           </p:cNvSpPr>
@@ -259,7 +684,7 @@
           <a:p>
             <a:fld id="{C85938DC-A15A-4447-9D72-A08E970E92F8}" type="datetimeFigureOut">
               <a:rPr lang="de-DE" smtClean="0"/>
-              <a:t>18.06.24</a:t>
+              <a:t>11.07.24</a:t>
             </a:fld>
             <a:endParaRPr lang="de-DE"/>
           </a:p>
@@ -267,13 +692,7 @@
       </p:sp>
       <p:sp>
         <p:nvSpPr>
-          <p:cNvPr id="5" name="Fußzeilenplatzhalter 4">
-            <a:extLst>
-              <a:ext uri="{FF2B5EF4-FFF2-40B4-BE49-F238E27FC236}">
-                <a16:creationId xmlns:a16="http://schemas.microsoft.com/office/drawing/2014/main" id="{CB72EEEF-2362-BD33-42B1-6ED257A04056}"/>
-              </a:ext>
-            </a:extLst>
-          </p:cNvPr>
+          <p:cNvPr id="5" name="Footer Placeholder 4"/>
           <p:cNvSpPr>
             <a:spLocks noGrp="1"/>
           </p:cNvSpPr>
@@ -292,13 +711,7 @@
       </p:sp>
       <p:sp>
         <p:nvSpPr>
-          <p:cNvPr id="6" name="Foliennummernplatzhalter 5">
-            <a:extLst>
-              <a:ext uri="{FF2B5EF4-FFF2-40B4-BE49-F238E27FC236}">
-                <a16:creationId xmlns:a16="http://schemas.microsoft.com/office/drawing/2014/main" id="{ADD2EF81-5F1A-D7A2-7508-FEE230E45127}"/>
-              </a:ext>
-            </a:extLst>
-          </p:cNvPr>
+          <p:cNvPr id="6" name="Slide Number Placeholder 5"/>
           <p:cNvSpPr>
             <a:spLocks noGrp="1"/>
           </p:cNvSpPr>
@@ -322,7 +735,7 @@
     </p:spTree>
     <p:extLst>
       <p:ext uri="{BB962C8B-B14F-4D97-AF65-F5344CB8AC3E}">
-        <p14:creationId xmlns:p14="http://schemas.microsoft.com/office/powerpoint/2010/main" val="2450702709"/>
+        <p14:creationId xmlns:p14="http://schemas.microsoft.com/office/powerpoint/2010/main" val="1647427733"/>
       </p:ext>
     </p:extLst>
   </p:cSld>
@@ -351,13 +764,7 @@
       </p:grpSpPr>
       <p:sp>
         <p:nvSpPr>
-          <p:cNvPr id="2" name="Titel 1">
-            <a:extLst>
-              <a:ext uri="{FF2B5EF4-FFF2-40B4-BE49-F238E27FC236}">
-                <a16:creationId xmlns:a16="http://schemas.microsoft.com/office/drawing/2014/main" id="{1091E00B-18F3-2BD3-CA99-D3DDD8B77F95}"/>
-              </a:ext>
-            </a:extLst>
-          </p:cNvPr>
+          <p:cNvPr id="2" name="Title 1"/>
           <p:cNvSpPr>
             <a:spLocks noGrp="1"/>
           </p:cNvSpPr>
@@ -374,18 +781,13 @@
               <a:rPr lang="de-DE"/>
               <a:t>Mastertitelformat bearbeiten</a:t>
             </a:r>
-          </a:p>
-        </p:txBody>
-      </p:sp>
-      <p:sp>
-        <p:nvSpPr>
-          <p:cNvPr id="3" name="Vertikaler Textplatzhalter 2">
-            <a:extLst>
-              <a:ext uri="{FF2B5EF4-FFF2-40B4-BE49-F238E27FC236}">
-                <a16:creationId xmlns:a16="http://schemas.microsoft.com/office/drawing/2014/main" id="{29522E13-8EDA-8DC8-2615-D0206C7225D0}"/>
-              </a:ext>
-            </a:extLst>
-          </p:cNvPr>
+            <a:endParaRPr lang="en-US" dirty="0"/>
+          </a:p>
+        </p:txBody>
+      </p:sp>
+      <p:sp>
+        <p:nvSpPr>
+          <p:cNvPr id="3" name="Vertical Text Placeholder 2"/>
           <p:cNvSpPr>
             <a:spLocks noGrp="1"/>
           </p:cNvSpPr>
@@ -431,18 +833,13 @@
               <a:rPr lang="de-DE"/>
               <a:t>Fünfte Ebene</a:t>
             </a:r>
-          </a:p>
-        </p:txBody>
-      </p:sp>
-      <p:sp>
-        <p:nvSpPr>
-          <p:cNvPr id="4" name="Datumsplatzhalter 3">
-            <a:extLst>
-              <a:ext uri="{FF2B5EF4-FFF2-40B4-BE49-F238E27FC236}">
-                <a16:creationId xmlns:a16="http://schemas.microsoft.com/office/drawing/2014/main" id="{64A2F9C6-3F6C-9242-F3F3-36BC7B0D34F2}"/>
-              </a:ext>
-            </a:extLst>
-          </p:cNvPr>
+            <a:endParaRPr lang="en-US" dirty="0"/>
+          </a:p>
+        </p:txBody>
+      </p:sp>
+      <p:sp>
+        <p:nvSpPr>
+          <p:cNvPr id="4" name="Date Placeholder 3"/>
           <p:cNvSpPr>
             <a:spLocks noGrp="1"/>
           </p:cNvSpPr>
@@ -457,7 +854,7 @@
           <a:p>
             <a:fld id="{C85938DC-A15A-4447-9D72-A08E970E92F8}" type="datetimeFigureOut">
               <a:rPr lang="de-DE" smtClean="0"/>
-              <a:t>18.06.24</a:t>
+              <a:t>11.07.24</a:t>
             </a:fld>
             <a:endParaRPr lang="de-DE"/>
           </a:p>
@@ -465,13 +862,7 @@
       </p:sp>
       <p:sp>
         <p:nvSpPr>
-          <p:cNvPr id="5" name="Fußzeilenplatzhalter 4">
-            <a:extLst>
-              <a:ext uri="{FF2B5EF4-FFF2-40B4-BE49-F238E27FC236}">
-                <a16:creationId xmlns:a16="http://schemas.microsoft.com/office/drawing/2014/main" id="{44E59067-FBCD-459E-F041-8970E028B38A}"/>
-              </a:ext>
-            </a:extLst>
-          </p:cNvPr>
+          <p:cNvPr id="5" name="Footer Placeholder 4"/>
           <p:cNvSpPr>
             <a:spLocks noGrp="1"/>
           </p:cNvSpPr>
@@ -490,13 +881,7 @@
       </p:sp>
       <p:sp>
         <p:nvSpPr>
-          <p:cNvPr id="6" name="Foliennummernplatzhalter 5">
-            <a:extLst>
-              <a:ext uri="{FF2B5EF4-FFF2-40B4-BE49-F238E27FC236}">
-                <a16:creationId xmlns:a16="http://schemas.microsoft.com/office/drawing/2014/main" id="{621249F2-DBC4-85B5-F4D9-BCC725A32690}"/>
-              </a:ext>
-            </a:extLst>
-          </p:cNvPr>
+          <p:cNvPr id="6" name="Slide Number Placeholder 5"/>
           <p:cNvSpPr>
             <a:spLocks noGrp="1"/>
           </p:cNvSpPr>
@@ -520,7 +905,7 @@
     </p:spTree>
     <p:extLst>
       <p:ext uri="{BB962C8B-B14F-4D97-AF65-F5344CB8AC3E}">
-        <p14:creationId xmlns:p14="http://schemas.microsoft.com/office/powerpoint/2010/main" val="236607161"/>
+        <p14:creationId xmlns:p14="http://schemas.microsoft.com/office/powerpoint/2010/main" val="4142086358"/>
       </p:ext>
     </p:extLst>
   </p:cSld>
@@ -549,13 +934,7 @@
       </p:grpSpPr>
       <p:sp>
         <p:nvSpPr>
-          <p:cNvPr id="2" name="Vertikaler Titel 1">
-            <a:extLst>
-              <a:ext uri="{FF2B5EF4-FFF2-40B4-BE49-F238E27FC236}">
-                <a16:creationId xmlns:a16="http://schemas.microsoft.com/office/drawing/2014/main" id="{C6E263EE-13DE-AB97-973F-E27DE8E2F5FF}"/>
-              </a:ext>
-            </a:extLst>
-          </p:cNvPr>
+          <p:cNvPr id="2" name="Vertical Title 1"/>
           <p:cNvSpPr>
             <a:spLocks noGrp="1"/>
           </p:cNvSpPr>
@@ -565,8 +944,8 @@
         </p:nvSpPr>
         <p:spPr>
           <a:xfrm>
-            <a:off x="8724900" y="365125"/>
-            <a:ext cx="2628900" cy="5811838"/>
+            <a:off x="12881725" y="670833"/>
+            <a:ext cx="3881393" cy="10677907"/>
           </a:xfrm>
         </p:spPr>
         <p:txBody>
@@ -577,18 +956,13 @@
               <a:rPr lang="de-DE"/>
               <a:t>Mastertitelformat bearbeiten</a:t>
             </a:r>
-          </a:p>
-        </p:txBody>
-      </p:sp>
-      <p:sp>
-        <p:nvSpPr>
-          <p:cNvPr id="3" name="Vertikaler Textplatzhalter 2">
-            <a:extLst>
-              <a:ext uri="{FF2B5EF4-FFF2-40B4-BE49-F238E27FC236}">
-                <a16:creationId xmlns:a16="http://schemas.microsoft.com/office/drawing/2014/main" id="{41619C14-C5AF-5207-9250-FCF918241EB2}"/>
-              </a:ext>
-            </a:extLst>
-          </p:cNvPr>
+            <a:endParaRPr lang="en-US" dirty="0"/>
+          </a:p>
+        </p:txBody>
+      </p:sp>
+      <p:sp>
+        <p:nvSpPr>
+          <p:cNvPr id="3" name="Vertical Text Placeholder 2"/>
           <p:cNvSpPr>
             <a:spLocks noGrp="1"/>
           </p:cNvSpPr>
@@ -598,8 +972,8 @@
         </p:nvSpPr>
         <p:spPr>
           <a:xfrm>
-            <a:off x="838200" y="365125"/>
-            <a:ext cx="7734300" cy="5811838"/>
+            <a:off x="1237546" y="670833"/>
+            <a:ext cx="11419171" cy="10677907"/>
           </a:xfrm>
         </p:spPr>
         <p:txBody>
@@ -639,18 +1013,13 @@
               <a:rPr lang="de-DE"/>
               <a:t>Fünfte Ebene</a:t>
             </a:r>
-          </a:p>
-        </p:txBody>
-      </p:sp>
-      <p:sp>
-        <p:nvSpPr>
-          <p:cNvPr id="4" name="Datumsplatzhalter 3">
-            <a:extLst>
-              <a:ext uri="{FF2B5EF4-FFF2-40B4-BE49-F238E27FC236}">
-                <a16:creationId xmlns:a16="http://schemas.microsoft.com/office/drawing/2014/main" id="{7CE4F089-1C13-ACEF-C046-511A90657C77}"/>
-              </a:ext>
-            </a:extLst>
-          </p:cNvPr>
+            <a:endParaRPr lang="en-US" dirty="0"/>
+          </a:p>
+        </p:txBody>
+      </p:sp>
+      <p:sp>
+        <p:nvSpPr>
+          <p:cNvPr id="4" name="Date Placeholder 3"/>
           <p:cNvSpPr>
             <a:spLocks noGrp="1"/>
           </p:cNvSpPr>
@@ -665,7 +1034,7 @@
           <a:p>
             <a:fld id="{C85938DC-A15A-4447-9D72-A08E970E92F8}" type="datetimeFigureOut">
               <a:rPr lang="de-DE" smtClean="0"/>
-              <a:t>18.06.24</a:t>
+              <a:t>11.07.24</a:t>
             </a:fld>
             <a:endParaRPr lang="de-DE"/>
           </a:p>
@@ -673,13 +1042,7 @@
       </p:sp>
       <p:sp>
         <p:nvSpPr>
-          <p:cNvPr id="5" name="Fußzeilenplatzhalter 4">
-            <a:extLst>
-              <a:ext uri="{FF2B5EF4-FFF2-40B4-BE49-F238E27FC236}">
-                <a16:creationId xmlns:a16="http://schemas.microsoft.com/office/drawing/2014/main" id="{1A3F6C26-88EF-155D-0B60-2678B3EC6096}"/>
-              </a:ext>
-            </a:extLst>
-          </p:cNvPr>
+          <p:cNvPr id="5" name="Footer Placeholder 4"/>
           <p:cNvSpPr>
             <a:spLocks noGrp="1"/>
           </p:cNvSpPr>
@@ -698,13 +1061,7 @@
       </p:sp>
       <p:sp>
         <p:nvSpPr>
-          <p:cNvPr id="6" name="Foliennummernplatzhalter 5">
-            <a:extLst>
-              <a:ext uri="{FF2B5EF4-FFF2-40B4-BE49-F238E27FC236}">
-                <a16:creationId xmlns:a16="http://schemas.microsoft.com/office/drawing/2014/main" id="{29726BBF-4153-9513-009A-6F86DD5157F6}"/>
-              </a:ext>
-            </a:extLst>
-          </p:cNvPr>
+          <p:cNvPr id="6" name="Slide Number Placeholder 5"/>
           <p:cNvSpPr>
             <a:spLocks noGrp="1"/>
           </p:cNvSpPr>
@@ -728,7 +1085,7 @@
     </p:spTree>
     <p:extLst>
       <p:ext uri="{BB962C8B-B14F-4D97-AF65-F5344CB8AC3E}">
-        <p14:creationId xmlns:p14="http://schemas.microsoft.com/office/powerpoint/2010/main" val="3603427509"/>
+        <p14:creationId xmlns:p14="http://schemas.microsoft.com/office/powerpoint/2010/main" val="3880238506"/>
       </p:ext>
     </p:extLst>
   </p:cSld>
@@ -757,13 +1114,7 @@
       </p:grpSpPr>
       <p:sp>
         <p:nvSpPr>
-          <p:cNvPr id="2" name="Titel 1">
-            <a:extLst>
-              <a:ext uri="{FF2B5EF4-FFF2-40B4-BE49-F238E27FC236}">
-                <a16:creationId xmlns:a16="http://schemas.microsoft.com/office/drawing/2014/main" id="{21B936E5-182A-F737-40CA-F14D28C2D39C}"/>
-              </a:ext>
-            </a:extLst>
-          </p:cNvPr>
+          <p:cNvPr id="2" name="Title 1"/>
           <p:cNvSpPr>
             <a:spLocks noGrp="1"/>
           </p:cNvSpPr>
@@ -780,18 +1131,13 @@
               <a:rPr lang="de-DE"/>
               <a:t>Mastertitelformat bearbeiten</a:t>
             </a:r>
-          </a:p>
-        </p:txBody>
-      </p:sp>
-      <p:sp>
-        <p:nvSpPr>
-          <p:cNvPr id="3" name="Inhaltsplatzhalter 2">
-            <a:extLst>
-              <a:ext uri="{FF2B5EF4-FFF2-40B4-BE49-F238E27FC236}">
-                <a16:creationId xmlns:a16="http://schemas.microsoft.com/office/drawing/2014/main" id="{2CC72CBB-4229-574F-E3F8-13A04CD91497}"/>
-              </a:ext>
-            </a:extLst>
-          </p:cNvPr>
+            <a:endParaRPr lang="en-US" dirty="0"/>
+          </a:p>
+        </p:txBody>
+      </p:sp>
+      <p:sp>
+        <p:nvSpPr>
+          <p:cNvPr id="3" name="Content Placeholder 2"/>
           <p:cNvSpPr>
             <a:spLocks noGrp="1"/>
           </p:cNvSpPr>
@@ -837,18 +1183,13 @@
               <a:rPr lang="de-DE"/>
               <a:t>Fünfte Ebene</a:t>
             </a:r>
-          </a:p>
-        </p:txBody>
-      </p:sp>
-      <p:sp>
-        <p:nvSpPr>
-          <p:cNvPr id="4" name="Datumsplatzhalter 3">
-            <a:extLst>
-              <a:ext uri="{FF2B5EF4-FFF2-40B4-BE49-F238E27FC236}">
-                <a16:creationId xmlns:a16="http://schemas.microsoft.com/office/drawing/2014/main" id="{C1680DF6-AA82-A188-F4B9-4F0FD4B25FC9}"/>
-              </a:ext>
-            </a:extLst>
-          </p:cNvPr>
+            <a:endParaRPr lang="en-US" dirty="0"/>
+          </a:p>
+        </p:txBody>
+      </p:sp>
+      <p:sp>
+        <p:nvSpPr>
+          <p:cNvPr id="4" name="Date Placeholder 3"/>
           <p:cNvSpPr>
             <a:spLocks noGrp="1"/>
           </p:cNvSpPr>
@@ -863,7 +1204,7 @@
           <a:p>
             <a:fld id="{C85938DC-A15A-4447-9D72-A08E970E92F8}" type="datetimeFigureOut">
               <a:rPr lang="de-DE" smtClean="0"/>
-              <a:t>18.06.24</a:t>
+              <a:t>11.07.24</a:t>
             </a:fld>
             <a:endParaRPr lang="de-DE"/>
           </a:p>
@@ -871,13 +1212,7 @@
       </p:sp>
       <p:sp>
         <p:nvSpPr>
-          <p:cNvPr id="5" name="Fußzeilenplatzhalter 4">
-            <a:extLst>
-              <a:ext uri="{FF2B5EF4-FFF2-40B4-BE49-F238E27FC236}">
-                <a16:creationId xmlns:a16="http://schemas.microsoft.com/office/drawing/2014/main" id="{EA9E1DEB-9F52-C574-B31A-64057E3D9397}"/>
-              </a:ext>
-            </a:extLst>
-          </p:cNvPr>
+          <p:cNvPr id="5" name="Footer Placeholder 4"/>
           <p:cNvSpPr>
             <a:spLocks noGrp="1"/>
           </p:cNvSpPr>
@@ -896,13 +1231,7 @@
       </p:sp>
       <p:sp>
         <p:nvSpPr>
-          <p:cNvPr id="6" name="Foliennummernplatzhalter 5">
-            <a:extLst>
-              <a:ext uri="{FF2B5EF4-FFF2-40B4-BE49-F238E27FC236}">
-                <a16:creationId xmlns:a16="http://schemas.microsoft.com/office/drawing/2014/main" id="{4CAD3ED7-0D88-C7E3-6B89-3FF8D91FCB20}"/>
-              </a:ext>
-            </a:extLst>
-          </p:cNvPr>
+          <p:cNvPr id="6" name="Slide Number Placeholder 5"/>
           <p:cNvSpPr>
             <a:spLocks noGrp="1"/>
           </p:cNvSpPr>
@@ -926,7 +1255,7 @@
     </p:spTree>
     <p:extLst>
       <p:ext uri="{BB962C8B-B14F-4D97-AF65-F5344CB8AC3E}">
-        <p14:creationId xmlns:p14="http://schemas.microsoft.com/office/powerpoint/2010/main" val="3708313604"/>
+        <p14:creationId xmlns:p14="http://schemas.microsoft.com/office/powerpoint/2010/main" val="658264708"/>
       </p:ext>
     </p:extLst>
   </p:cSld>
@@ -955,13 +1284,7 @@
       </p:grpSpPr>
       <p:sp>
         <p:nvSpPr>
-          <p:cNvPr id="2" name="Titel 1">
-            <a:extLst>
-              <a:ext uri="{FF2B5EF4-FFF2-40B4-BE49-F238E27FC236}">
-                <a16:creationId xmlns:a16="http://schemas.microsoft.com/office/drawing/2014/main" id="{8991EF1A-609F-806D-5259-13FDD725CD2F}"/>
-              </a:ext>
-            </a:extLst>
-          </p:cNvPr>
+          <p:cNvPr id="2" name="Title 1"/>
           <p:cNvSpPr>
             <a:spLocks noGrp="1"/>
           </p:cNvSpPr>
@@ -971,15 +1294,15 @@
         </p:nvSpPr>
         <p:spPr>
           <a:xfrm>
-            <a:off x="831850" y="1709738"/>
-            <a:ext cx="10515600" cy="2852737"/>
+            <a:off x="1228171" y="3141251"/>
+            <a:ext cx="15525572" cy="5241244"/>
           </a:xfrm>
         </p:spPr>
         <p:txBody>
           <a:bodyPr anchor="b"/>
           <a:lstStyle>
             <a:lvl1pPr>
-              <a:defRPr sz="6000"/>
+              <a:defRPr sz="11024"/>
             </a:lvl1pPr>
           </a:lstStyle>
           <a:p>
@@ -987,18 +1310,13 @@
               <a:rPr lang="de-DE"/>
               <a:t>Mastertitelformat bearbeiten</a:t>
             </a:r>
-          </a:p>
-        </p:txBody>
-      </p:sp>
-      <p:sp>
-        <p:nvSpPr>
-          <p:cNvPr id="3" name="Textplatzhalter 2">
-            <a:extLst>
-              <a:ext uri="{FF2B5EF4-FFF2-40B4-BE49-F238E27FC236}">
-                <a16:creationId xmlns:a16="http://schemas.microsoft.com/office/drawing/2014/main" id="{96688E13-AC48-A21F-103C-EF2A521AEA7C}"/>
-              </a:ext>
-            </a:extLst>
-          </p:cNvPr>
+            <a:endParaRPr lang="en-US" dirty="0"/>
+          </a:p>
+        </p:txBody>
+      </p:sp>
+      <p:sp>
+        <p:nvSpPr>
+          <p:cNvPr id="3" name="Text Placeholder 2"/>
           <p:cNvSpPr>
             <a:spLocks noGrp="1"/>
           </p:cNvSpPr>
@@ -1008,8 +1326,8 @@
         </p:nvSpPr>
         <p:spPr>
           <a:xfrm>
-            <a:off x="831850" y="4589463"/>
-            <a:ext cx="10515600" cy="1500187"/>
+            <a:off x="1228171" y="8432079"/>
+            <a:ext cx="15525572" cy="2756246"/>
           </a:xfrm>
         </p:spPr>
         <p:txBody>
@@ -1017,90 +1335,90 @@
           <a:lstStyle>
             <a:lvl1pPr marL="0" indent="0">
               <a:buNone/>
-              <a:defRPr sz="2400">
+              <a:defRPr sz="4410">
                 <a:solidFill>
                   <a:schemeClr val="tx1">
-                    <a:tint val="82000"/>
+                    <a:shade val="82000"/>
                   </a:schemeClr>
                 </a:solidFill>
               </a:defRPr>
             </a:lvl1pPr>
-            <a:lvl2pPr marL="457200" indent="0">
-              <a:buNone/>
-              <a:defRPr sz="2000">
+            <a:lvl2pPr marL="840014" indent="0">
+              <a:buNone/>
+              <a:defRPr sz="3675">
                 <a:solidFill>
                   <a:schemeClr val="tx1">
-                    <a:tint val="82000"/>
+                    <a:shade val="82000"/>
                   </a:schemeClr>
                 </a:solidFill>
               </a:defRPr>
             </a:lvl2pPr>
-            <a:lvl3pPr marL="914400" indent="0">
-              <a:buNone/>
-              <a:defRPr sz="1800">
+            <a:lvl3pPr marL="1680027" indent="0">
+              <a:buNone/>
+              <a:defRPr sz="3307">
                 <a:solidFill>
                   <a:schemeClr val="tx1">
-                    <a:tint val="82000"/>
+                    <a:shade val="82000"/>
                   </a:schemeClr>
                 </a:solidFill>
               </a:defRPr>
             </a:lvl3pPr>
-            <a:lvl4pPr marL="1371600" indent="0">
-              <a:buNone/>
-              <a:defRPr sz="1600">
+            <a:lvl4pPr marL="2520041" indent="0">
+              <a:buNone/>
+              <a:defRPr sz="2940">
                 <a:solidFill>
                   <a:schemeClr val="tx1">
-                    <a:tint val="82000"/>
+                    <a:shade val="82000"/>
                   </a:schemeClr>
                 </a:solidFill>
               </a:defRPr>
             </a:lvl4pPr>
-            <a:lvl5pPr marL="1828800" indent="0">
-              <a:buNone/>
-              <a:defRPr sz="1600">
+            <a:lvl5pPr marL="3360054" indent="0">
+              <a:buNone/>
+              <a:defRPr sz="2940">
                 <a:solidFill>
                   <a:schemeClr val="tx1">
-                    <a:tint val="82000"/>
+                    <a:shade val="82000"/>
                   </a:schemeClr>
                 </a:solidFill>
               </a:defRPr>
             </a:lvl5pPr>
-            <a:lvl6pPr marL="2286000" indent="0">
-              <a:buNone/>
-              <a:defRPr sz="1600">
+            <a:lvl6pPr marL="4200068" indent="0">
+              <a:buNone/>
+              <a:defRPr sz="2940">
                 <a:solidFill>
                   <a:schemeClr val="tx1">
-                    <a:tint val="82000"/>
+                    <a:shade val="82000"/>
                   </a:schemeClr>
                 </a:solidFill>
               </a:defRPr>
             </a:lvl6pPr>
-            <a:lvl7pPr marL="2743200" indent="0">
-              <a:buNone/>
-              <a:defRPr sz="1600">
+            <a:lvl7pPr marL="5040081" indent="0">
+              <a:buNone/>
+              <a:defRPr sz="2940">
                 <a:solidFill>
                   <a:schemeClr val="tx1">
-                    <a:tint val="82000"/>
+                    <a:shade val="82000"/>
                   </a:schemeClr>
                 </a:solidFill>
               </a:defRPr>
             </a:lvl7pPr>
-            <a:lvl8pPr marL="3200400" indent="0">
-              <a:buNone/>
-              <a:defRPr sz="1600">
+            <a:lvl8pPr marL="5880095" indent="0">
+              <a:buNone/>
+              <a:defRPr sz="2940">
                 <a:solidFill>
                   <a:schemeClr val="tx1">
-                    <a:tint val="82000"/>
+                    <a:shade val="82000"/>
                   </a:schemeClr>
                 </a:solidFill>
               </a:defRPr>
             </a:lvl8pPr>
-            <a:lvl9pPr marL="3657600" indent="0">
-              <a:buNone/>
-              <a:defRPr sz="1600">
+            <a:lvl9pPr marL="6720108" indent="0">
+              <a:buNone/>
+              <a:defRPr sz="2940">
                 <a:solidFill>
                   <a:schemeClr val="tx1">
-                    <a:tint val="82000"/>
+                    <a:shade val="82000"/>
                   </a:schemeClr>
                 </a:solidFill>
               </a:defRPr>
@@ -1117,13 +1435,7 @@
       </p:sp>
       <p:sp>
         <p:nvSpPr>
-          <p:cNvPr id="4" name="Datumsplatzhalter 3">
-            <a:extLst>
-              <a:ext uri="{FF2B5EF4-FFF2-40B4-BE49-F238E27FC236}">
-                <a16:creationId xmlns:a16="http://schemas.microsoft.com/office/drawing/2014/main" id="{84152910-ECEF-2FEE-EC3F-3A1A2AFF41B5}"/>
-              </a:ext>
-            </a:extLst>
-          </p:cNvPr>
+          <p:cNvPr id="4" name="Date Placeholder 3"/>
           <p:cNvSpPr>
             <a:spLocks noGrp="1"/>
           </p:cNvSpPr>
@@ -1138,7 +1450,7 @@
           <a:p>
             <a:fld id="{C85938DC-A15A-4447-9D72-A08E970E92F8}" type="datetimeFigureOut">
               <a:rPr lang="de-DE" smtClean="0"/>
-              <a:t>18.06.24</a:t>
+              <a:t>11.07.24</a:t>
             </a:fld>
             <a:endParaRPr lang="de-DE"/>
           </a:p>
@@ -1146,13 +1458,7 @@
       </p:sp>
       <p:sp>
         <p:nvSpPr>
-          <p:cNvPr id="5" name="Fußzeilenplatzhalter 4">
-            <a:extLst>
-              <a:ext uri="{FF2B5EF4-FFF2-40B4-BE49-F238E27FC236}">
-                <a16:creationId xmlns:a16="http://schemas.microsoft.com/office/drawing/2014/main" id="{07BBDE58-C166-D746-B9E1-6E2BE76A847D}"/>
-              </a:ext>
-            </a:extLst>
-          </p:cNvPr>
+          <p:cNvPr id="5" name="Footer Placeholder 4"/>
           <p:cNvSpPr>
             <a:spLocks noGrp="1"/>
           </p:cNvSpPr>
@@ -1171,13 +1477,7 @@
       </p:sp>
       <p:sp>
         <p:nvSpPr>
-          <p:cNvPr id="6" name="Foliennummernplatzhalter 5">
-            <a:extLst>
-              <a:ext uri="{FF2B5EF4-FFF2-40B4-BE49-F238E27FC236}">
-                <a16:creationId xmlns:a16="http://schemas.microsoft.com/office/drawing/2014/main" id="{E4921661-9DAB-A957-3C2B-376E6AB9E663}"/>
-              </a:ext>
-            </a:extLst>
-          </p:cNvPr>
+          <p:cNvPr id="6" name="Slide Number Placeholder 5"/>
           <p:cNvSpPr>
             <a:spLocks noGrp="1"/>
           </p:cNvSpPr>
@@ -1201,7 +1501,7 @@
     </p:spTree>
     <p:extLst>
       <p:ext uri="{BB962C8B-B14F-4D97-AF65-F5344CB8AC3E}">
-        <p14:creationId xmlns:p14="http://schemas.microsoft.com/office/powerpoint/2010/main" val="3240478535"/>
+        <p14:creationId xmlns:p14="http://schemas.microsoft.com/office/powerpoint/2010/main" val="661892009"/>
       </p:ext>
     </p:extLst>
   </p:cSld>
@@ -1230,13 +1530,7 @@
       </p:grpSpPr>
       <p:sp>
         <p:nvSpPr>
-          <p:cNvPr id="2" name="Titel 1">
-            <a:extLst>
-              <a:ext uri="{FF2B5EF4-FFF2-40B4-BE49-F238E27FC236}">
-                <a16:creationId xmlns:a16="http://schemas.microsoft.com/office/drawing/2014/main" id="{546DF377-E46A-1341-CD91-B75F54692903}"/>
-              </a:ext>
-            </a:extLst>
-          </p:cNvPr>
+          <p:cNvPr id="2" name="Title 1"/>
           <p:cNvSpPr>
             <a:spLocks noGrp="1"/>
           </p:cNvSpPr>
@@ -1253,18 +1547,13 @@
               <a:rPr lang="de-DE"/>
               <a:t>Mastertitelformat bearbeiten</a:t>
             </a:r>
-          </a:p>
-        </p:txBody>
-      </p:sp>
-      <p:sp>
-        <p:nvSpPr>
-          <p:cNvPr id="3" name="Inhaltsplatzhalter 2">
-            <a:extLst>
-              <a:ext uri="{FF2B5EF4-FFF2-40B4-BE49-F238E27FC236}">
-                <a16:creationId xmlns:a16="http://schemas.microsoft.com/office/drawing/2014/main" id="{3D4FDFDC-9838-08E0-0B64-4533826EE462}"/>
-              </a:ext>
-            </a:extLst>
-          </p:cNvPr>
+            <a:endParaRPr lang="en-US" dirty="0"/>
+          </a:p>
+        </p:txBody>
+      </p:sp>
+      <p:sp>
+        <p:nvSpPr>
+          <p:cNvPr id="3" name="Content Placeholder 2"/>
           <p:cNvSpPr>
             <a:spLocks noGrp="1"/>
           </p:cNvSpPr>
@@ -1274,8 +1563,8 @@
         </p:nvSpPr>
         <p:spPr>
           <a:xfrm>
-            <a:off x="838200" y="1825625"/>
-            <a:ext cx="5181600" cy="4351338"/>
+            <a:off x="1237545" y="3354163"/>
+            <a:ext cx="7650282" cy="7994577"/>
           </a:xfrm>
         </p:spPr>
         <p:txBody>
@@ -1315,18 +1604,13 @@
               <a:rPr lang="de-DE"/>
               <a:t>Fünfte Ebene</a:t>
             </a:r>
-          </a:p>
-        </p:txBody>
-      </p:sp>
-      <p:sp>
-        <p:nvSpPr>
-          <p:cNvPr id="4" name="Inhaltsplatzhalter 3">
-            <a:extLst>
-              <a:ext uri="{FF2B5EF4-FFF2-40B4-BE49-F238E27FC236}">
-                <a16:creationId xmlns:a16="http://schemas.microsoft.com/office/drawing/2014/main" id="{4DFE39AC-D509-100E-524B-3B450BCFB075}"/>
-              </a:ext>
-            </a:extLst>
-          </p:cNvPr>
+            <a:endParaRPr lang="en-US" dirty="0"/>
+          </a:p>
+        </p:txBody>
+      </p:sp>
+      <p:sp>
+        <p:nvSpPr>
+          <p:cNvPr id="4" name="Content Placeholder 3"/>
           <p:cNvSpPr>
             <a:spLocks noGrp="1"/>
           </p:cNvSpPr>
@@ -1336,8 +1620,8 @@
         </p:nvSpPr>
         <p:spPr>
           <a:xfrm>
-            <a:off x="6172200" y="1825625"/>
-            <a:ext cx="5181600" cy="4351338"/>
+            <a:off x="9112836" y="3354163"/>
+            <a:ext cx="7650282" cy="7994577"/>
           </a:xfrm>
         </p:spPr>
         <p:txBody>
@@ -1377,18 +1661,13 @@
               <a:rPr lang="de-DE"/>
               <a:t>Fünfte Ebene</a:t>
             </a:r>
-          </a:p>
-        </p:txBody>
-      </p:sp>
-      <p:sp>
-        <p:nvSpPr>
-          <p:cNvPr id="5" name="Datumsplatzhalter 4">
-            <a:extLst>
-              <a:ext uri="{FF2B5EF4-FFF2-40B4-BE49-F238E27FC236}">
-                <a16:creationId xmlns:a16="http://schemas.microsoft.com/office/drawing/2014/main" id="{7A2FC16B-CED5-9CCE-4E4F-11A9ADD40C0E}"/>
-              </a:ext>
-            </a:extLst>
-          </p:cNvPr>
+            <a:endParaRPr lang="en-US" dirty="0"/>
+          </a:p>
+        </p:txBody>
+      </p:sp>
+      <p:sp>
+        <p:nvSpPr>
+          <p:cNvPr id="5" name="Date Placeholder 4"/>
           <p:cNvSpPr>
             <a:spLocks noGrp="1"/>
           </p:cNvSpPr>
@@ -1403,7 +1682,7 @@
           <a:p>
             <a:fld id="{C85938DC-A15A-4447-9D72-A08E970E92F8}" type="datetimeFigureOut">
               <a:rPr lang="de-DE" smtClean="0"/>
-              <a:t>18.06.24</a:t>
+              <a:t>11.07.24</a:t>
             </a:fld>
             <a:endParaRPr lang="de-DE"/>
           </a:p>
@@ -1411,13 +1690,7 @@
       </p:sp>
       <p:sp>
         <p:nvSpPr>
-          <p:cNvPr id="6" name="Fußzeilenplatzhalter 5">
-            <a:extLst>
-              <a:ext uri="{FF2B5EF4-FFF2-40B4-BE49-F238E27FC236}">
-                <a16:creationId xmlns:a16="http://schemas.microsoft.com/office/drawing/2014/main" id="{2AFE2BBA-A4D2-E0B2-B773-155158D5FA04}"/>
-              </a:ext>
-            </a:extLst>
-          </p:cNvPr>
+          <p:cNvPr id="6" name="Footer Placeholder 5"/>
           <p:cNvSpPr>
             <a:spLocks noGrp="1"/>
           </p:cNvSpPr>
@@ -1436,13 +1709,7 @@
       </p:sp>
       <p:sp>
         <p:nvSpPr>
-          <p:cNvPr id="7" name="Foliennummernplatzhalter 6">
-            <a:extLst>
-              <a:ext uri="{FF2B5EF4-FFF2-40B4-BE49-F238E27FC236}">
-                <a16:creationId xmlns:a16="http://schemas.microsoft.com/office/drawing/2014/main" id="{87DD3EFB-CF6D-1334-0C92-834606624173}"/>
-              </a:ext>
-            </a:extLst>
-          </p:cNvPr>
+          <p:cNvPr id="7" name="Slide Number Placeholder 6"/>
           <p:cNvSpPr>
             <a:spLocks noGrp="1"/>
           </p:cNvSpPr>
@@ -1466,7 +1733,7 @@
     </p:spTree>
     <p:extLst>
       <p:ext uri="{BB962C8B-B14F-4D97-AF65-F5344CB8AC3E}">
-        <p14:creationId xmlns:p14="http://schemas.microsoft.com/office/powerpoint/2010/main" val="1350449962"/>
+        <p14:creationId xmlns:p14="http://schemas.microsoft.com/office/powerpoint/2010/main" val="1647381637"/>
       </p:ext>
     </p:extLst>
   </p:cSld>
@@ -1495,13 +1762,7 @@
       </p:grpSpPr>
       <p:sp>
         <p:nvSpPr>
-          <p:cNvPr id="2" name="Titel 1">
-            <a:extLst>
-              <a:ext uri="{FF2B5EF4-FFF2-40B4-BE49-F238E27FC236}">
-                <a16:creationId xmlns:a16="http://schemas.microsoft.com/office/drawing/2014/main" id="{03F1E00A-D91F-BFD1-B6BC-03A7F8A0B6AC}"/>
-              </a:ext>
-            </a:extLst>
-          </p:cNvPr>
+          <p:cNvPr id="2" name="Title 1"/>
           <p:cNvSpPr>
             <a:spLocks noGrp="1"/>
           </p:cNvSpPr>
@@ -1511,8 +1772,8 @@
         </p:nvSpPr>
         <p:spPr>
           <a:xfrm>
-            <a:off x="839788" y="365125"/>
-            <a:ext cx="10515600" cy="1325563"/>
+            <a:off x="1239890" y="670836"/>
+            <a:ext cx="15525572" cy="2435415"/>
           </a:xfrm>
         </p:spPr>
         <p:txBody>
@@ -1523,18 +1784,13 @@
               <a:rPr lang="de-DE"/>
               <a:t>Mastertitelformat bearbeiten</a:t>
             </a:r>
-          </a:p>
-        </p:txBody>
-      </p:sp>
-      <p:sp>
-        <p:nvSpPr>
-          <p:cNvPr id="3" name="Textplatzhalter 2">
-            <a:extLst>
-              <a:ext uri="{FF2B5EF4-FFF2-40B4-BE49-F238E27FC236}">
-                <a16:creationId xmlns:a16="http://schemas.microsoft.com/office/drawing/2014/main" id="{ECB7EE6E-5A16-6A8F-5209-C540F4A905A8}"/>
-              </a:ext>
-            </a:extLst>
-          </p:cNvPr>
+            <a:endParaRPr lang="en-US" dirty="0"/>
+          </a:p>
+        </p:txBody>
+      </p:sp>
+      <p:sp>
+        <p:nvSpPr>
+          <p:cNvPr id="3" name="Text Placeholder 2"/>
           <p:cNvSpPr>
             <a:spLocks noGrp="1"/>
           </p:cNvSpPr>
@@ -1544,8 +1800,8 @@
         </p:nvSpPr>
         <p:spPr>
           <a:xfrm>
-            <a:off x="839788" y="1681163"/>
-            <a:ext cx="5157787" cy="823912"/>
+            <a:off x="1239892" y="3088748"/>
+            <a:ext cx="7615123" cy="1513748"/>
           </a:xfrm>
         </p:spPr>
         <p:txBody>
@@ -1553,39 +1809,39 @@
           <a:lstStyle>
             <a:lvl1pPr marL="0" indent="0">
               <a:buNone/>
-              <a:defRPr sz="2400" b="1"/>
+              <a:defRPr sz="4410" b="1"/>
             </a:lvl1pPr>
-            <a:lvl2pPr marL="457200" indent="0">
-              <a:buNone/>
-              <a:defRPr sz="2000" b="1"/>
+            <a:lvl2pPr marL="840014" indent="0">
+              <a:buNone/>
+              <a:defRPr sz="3675" b="1"/>
             </a:lvl2pPr>
-            <a:lvl3pPr marL="914400" indent="0">
-              <a:buNone/>
-              <a:defRPr sz="1800" b="1"/>
+            <a:lvl3pPr marL="1680027" indent="0">
+              <a:buNone/>
+              <a:defRPr sz="3307" b="1"/>
             </a:lvl3pPr>
-            <a:lvl4pPr marL="1371600" indent="0">
-              <a:buNone/>
-              <a:defRPr sz="1600" b="1"/>
+            <a:lvl4pPr marL="2520041" indent="0">
+              <a:buNone/>
+              <a:defRPr sz="2940" b="1"/>
             </a:lvl4pPr>
-            <a:lvl5pPr marL="1828800" indent="0">
-              <a:buNone/>
-              <a:defRPr sz="1600" b="1"/>
+            <a:lvl5pPr marL="3360054" indent="0">
+              <a:buNone/>
+              <a:defRPr sz="2940" b="1"/>
             </a:lvl5pPr>
-            <a:lvl6pPr marL="2286000" indent="0">
-              <a:buNone/>
-              <a:defRPr sz="1600" b="1"/>
+            <a:lvl6pPr marL="4200068" indent="0">
+              <a:buNone/>
+              <a:defRPr sz="2940" b="1"/>
             </a:lvl6pPr>
-            <a:lvl7pPr marL="2743200" indent="0">
-              <a:buNone/>
-              <a:defRPr sz="1600" b="1"/>
+            <a:lvl7pPr marL="5040081" indent="0">
+              <a:buNone/>
+              <a:defRPr sz="2940" b="1"/>
             </a:lvl7pPr>
-            <a:lvl8pPr marL="3200400" indent="0">
-              <a:buNone/>
-              <a:defRPr sz="1600" b="1"/>
+            <a:lvl8pPr marL="5880095" indent="0">
+              <a:buNone/>
+              <a:defRPr sz="2940" b="1"/>
             </a:lvl8pPr>
-            <a:lvl9pPr marL="3657600" indent="0">
-              <a:buNone/>
-              <a:defRPr sz="1600" b="1"/>
+            <a:lvl9pPr marL="6720108" indent="0">
+              <a:buNone/>
+              <a:defRPr sz="2940" b="1"/>
             </a:lvl9pPr>
           </a:lstStyle>
           <a:p>
@@ -1599,13 +1855,7 @@
       </p:sp>
       <p:sp>
         <p:nvSpPr>
-          <p:cNvPr id="4" name="Inhaltsplatzhalter 3">
-            <a:extLst>
-              <a:ext uri="{FF2B5EF4-FFF2-40B4-BE49-F238E27FC236}">
-                <a16:creationId xmlns:a16="http://schemas.microsoft.com/office/drawing/2014/main" id="{08E55E00-664E-31B7-BCD8-0E5E5F5533CD}"/>
-              </a:ext>
-            </a:extLst>
-          </p:cNvPr>
+          <p:cNvPr id="4" name="Content Placeholder 3"/>
           <p:cNvSpPr>
             <a:spLocks noGrp="1"/>
           </p:cNvSpPr>
@@ -1615,8 +1865,8 @@
         </p:nvSpPr>
         <p:spPr>
           <a:xfrm>
-            <a:off x="839788" y="2505075"/>
-            <a:ext cx="5157787" cy="3684588"/>
+            <a:off x="1239892" y="4602496"/>
+            <a:ext cx="7615123" cy="6769578"/>
           </a:xfrm>
         </p:spPr>
         <p:txBody>
@@ -1656,18 +1906,13 @@
               <a:rPr lang="de-DE"/>
               <a:t>Fünfte Ebene</a:t>
             </a:r>
-          </a:p>
-        </p:txBody>
-      </p:sp>
-      <p:sp>
-        <p:nvSpPr>
-          <p:cNvPr id="5" name="Textplatzhalter 4">
-            <a:extLst>
-              <a:ext uri="{FF2B5EF4-FFF2-40B4-BE49-F238E27FC236}">
-                <a16:creationId xmlns:a16="http://schemas.microsoft.com/office/drawing/2014/main" id="{73933448-6854-65EA-77C7-92E3190AB592}"/>
-              </a:ext>
-            </a:extLst>
-          </p:cNvPr>
+            <a:endParaRPr lang="en-US" dirty="0"/>
+          </a:p>
+        </p:txBody>
+      </p:sp>
+      <p:sp>
+        <p:nvSpPr>
+          <p:cNvPr id="5" name="Text Placeholder 4"/>
           <p:cNvSpPr>
             <a:spLocks noGrp="1"/>
           </p:cNvSpPr>
@@ -1677,8 +1922,8 @@
         </p:nvSpPr>
         <p:spPr>
           <a:xfrm>
-            <a:off x="6172200" y="1681163"/>
-            <a:ext cx="5183188" cy="823912"/>
+            <a:off x="9112837" y="3088748"/>
+            <a:ext cx="7652626" cy="1513748"/>
           </a:xfrm>
         </p:spPr>
         <p:txBody>
@@ -1686,39 +1931,39 @@
           <a:lstStyle>
             <a:lvl1pPr marL="0" indent="0">
               <a:buNone/>
-              <a:defRPr sz="2400" b="1"/>
+              <a:defRPr sz="4410" b="1"/>
             </a:lvl1pPr>
-            <a:lvl2pPr marL="457200" indent="0">
-              <a:buNone/>
-              <a:defRPr sz="2000" b="1"/>
+            <a:lvl2pPr marL="840014" indent="0">
+              <a:buNone/>
+              <a:defRPr sz="3675" b="1"/>
             </a:lvl2pPr>
-            <a:lvl3pPr marL="914400" indent="0">
-              <a:buNone/>
-              <a:defRPr sz="1800" b="1"/>
+            <a:lvl3pPr marL="1680027" indent="0">
+              <a:buNone/>
+              <a:defRPr sz="3307" b="1"/>
             </a:lvl3pPr>
-            <a:lvl4pPr marL="1371600" indent="0">
-              <a:buNone/>
-              <a:defRPr sz="1600" b="1"/>
+            <a:lvl4pPr marL="2520041" indent="0">
+              <a:buNone/>
+              <a:defRPr sz="2940" b="1"/>
             </a:lvl4pPr>
-            <a:lvl5pPr marL="1828800" indent="0">
-              <a:buNone/>
-              <a:defRPr sz="1600" b="1"/>
+            <a:lvl5pPr marL="3360054" indent="0">
+              <a:buNone/>
+              <a:defRPr sz="2940" b="1"/>
             </a:lvl5pPr>
-            <a:lvl6pPr marL="2286000" indent="0">
-              <a:buNone/>
-              <a:defRPr sz="1600" b="1"/>
+            <a:lvl6pPr marL="4200068" indent="0">
+              <a:buNone/>
+              <a:defRPr sz="2940" b="1"/>
             </a:lvl6pPr>
-            <a:lvl7pPr marL="2743200" indent="0">
-              <a:buNone/>
-              <a:defRPr sz="1600" b="1"/>
+            <a:lvl7pPr marL="5040081" indent="0">
+              <a:buNone/>
+              <a:defRPr sz="2940" b="1"/>
             </a:lvl7pPr>
-            <a:lvl8pPr marL="3200400" indent="0">
-              <a:buNone/>
-              <a:defRPr sz="1600" b="1"/>
+            <a:lvl8pPr marL="5880095" indent="0">
+              <a:buNone/>
+              <a:defRPr sz="2940" b="1"/>
             </a:lvl8pPr>
-            <a:lvl9pPr marL="3657600" indent="0">
-              <a:buNone/>
-              <a:defRPr sz="1600" b="1"/>
+            <a:lvl9pPr marL="6720108" indent="0">
+              <a:buNone/>
+              <a:defRPr sz="2940" b="1"/>
             </a:lvl9pPr>
           </a:lstStyle>
           <a:p>
@@ -1732,13 +1977,7 @@
       </p:sp>
       <p:sp>
         <p:nvSpPr>
-          <p:cNvPr id="6" name="Inhaltsplatzhalter 5">
-            <a:extLst>
-              <a:ext uri="{FF2B5EF4-FFF2-40B4-BE49-F238E27FC236}">
-                <a16:creationId xmlns:a16="http://schemas.microsoft.com/office/drawing/2014/main" id="{A0F93AE9-B10A-D0D4-F18A-FF348C878FBD}"/>
-              </a:ext>
-            </a:extLst>
-          </p:cNvPr>
+          <p:cNvPr id="6" name="Content Placeholder 5"/>
           <p:cNvSpPr>
             <a:spLocks noGrp="1"/>
           </p:cNvSpPr>
@@ -1748,8 +1987,8 @@
         </p:nvSpPr>
         <p:spPr>
           <a:xfrm>
-            <a:off x="6172200" y="2505075"/>
-            <a:ext cx="5183188" cy="3684588"/>
+            <a:off x="9112837" y="4602496"/>
+            <a:ext cx="7652626" cy="6769578"/>
           </a:xfrm>
         </p:spPr>
         <p:txBody>
@@ -1789,18 +2028,13 @@
               <a:rPr lang="de-DE"/>
               <a:t>Fünfte Ebene</a:t>
             </a:r>
-          </a:p>
-        </p:txBody>
-      </p:sp>
-      <p:sp>
-        <p:nvSpPr>
-          <p:cNvPr id="7" name="Datumsplatzhalter 6">
-            <a:extLst>
-              <a:ext uri="{FF2B5EF4-FFF2-40B4-BE49-F238E27FC236}">
-                <a16:creationId xmlns:a16="http://schemas.microsoft.com/office/drawing/2014/main" id="{596F8D1A-0DBF-1B6B-63EF-90C76B71F9FC}"/>
-              </a:ext>
-            </a:extLst>
-          </p:cNvPr>
+            <a:endParaRPr lang="en-US" dirty="0"/>
+          </a:p>
+        </p:txBody>
+      </p:sp>
+      <p:sp>
+        <p:nvSpPr>
+          <p:cNvPr id="7" name="Date Placeholder 6"/>
           <p:cNvSpPr>
             <a:spLocks noGrp="1"/>
           </p:cNvSpPr>
@@ -1815,7 +2049,7 @@
           <a:p>
             <a:fld id="{C85938DC-A15A-4447-9D72-A08E970E92F8}" type="datetimeFigureOut">
               <a:rPr lang="de-DE" smtClean="0"/>
-              <a:t>18.06.24</a:t>
+              <a:t>11.07.24</a:t>
             </a:fld>
             <a:endParaRPr lang="de-DE"/>
           </a:p>
@@ -1823,13 +2057,7 @@
       </p:sp>
       <p:sp>
         <p:nvSpPr>
-          <p:cNvPr id="8" name="Fußzeilenplatzhalter 7">
-            <a:extLst>
-              <a:ext uri="{FF2B5EF4-FFF2-40B4-BE49-F238E27FC236}">
-                <a16:creationId xmlns:a16="http://schemas.microsoft.com/office/drawing/2014/main" id="{B04625F6-BC01-00F4-B3D7-A07477791FFB}"/>
-              </a:ext>
-            </a:extLst>
-          </p:cNvPr>
+          <p:cNvPr id="8" name="Footer Placeholder 7"/>
           <p:cNvSpPr>
             <a:spLocks noGrp="1"/>
           </p:cNvSpPr>
@@ -1848,13 +2076,7 @@
       </p:sp>
       <p:sp>
         <p:nvSpPr>
-          <p:cNvPr id="9" name="Foliennummernplatzhalter 8">
-            <a:extLst>
-              <a:ext uri="{FF2B5EF4-FFF2-40B4-BE49-F238E27FC236}">
-                <a16:creationId xmlns:a16="http://schemas.microsoft.com/office/drawing/2014/main" id="{BDB9B249-B07D-392D-8C06-DB759E2EB70C}"/>
-              </a:ext>
-            </a:extLst>
-          </p:cNvPr>
+          <p:cNvPr id="9" name="Slide Number Placeholder 8"/>
           <p:cNvSpPr>
             <a:spLocks noGrp="1"/>
           </p:cNvSpPr>
@@ -1878,7 +2100,7 @@
     </p:spTree>
     <p:extLst>
       <p:ext uri="{BB962C8B-B14F-4D97-AF65-F5344CB8AC3E}">
-        <p14:creationId xmlns:p14="http://schemas.microsoft.com/office/powerpoint/2010/main" val="1059793293"/>
+        <p14:creationId xmlns:p14="http://schemas.microsoft.com/office/powerpoint/2010/main" val="956354575"/>
       </p:ext>
     </p:extLst>
   </p:cSld>
@@ -1907,13 +2129,7 @@
       </p:grpSpPr>
       <p:sp>
         <p:nvSpPr>
-          <p:cNvPr id="2" name="Titel 1">
-            <a:extLst>
-              <a:ext uri="{FF2B5EF4-FFF2-40B4-BE49-F238E27FC236}">
-                <a16:creationId xmlns:a16="http://schemas.microsoft.com/office/drawing/2014/main" id="{C11E0A46-2B30-90C0-5D95-4177FE3EF86F}"/>
-              </a:ext>
-            </a:extLst>
-          </p:cNvPr>
+          <p:cNvPr id="2" name="Title 1"/>
           <p:cNvSpPr>
             <a:spLocks noGrp="1"/>
           </p:cNvSpPr>
@@ -1930,18 +2146,13 @@
               <a:rPr lang="de-DE"/>
               <a:t>Mastertitelformat bearbeiten</a:t>
             </a:r>
-          </a:p>
-        </p:txBody>
-      </p:sp>
-      <p:sp>
-        <p:nvSpPr>
-          <p:cNvPr id="3" name="Datumsplatzhalter 2">
-            <a:extLst>
-              <a:ext uri="{FF2B5EF4-FFF2-40B4-BE49-F238E27FC236}">
-                <a16:creationId xmlns:a16="http://schemas.microsoft.com/office/drawing/2014/main" id="{1320DED5-1FD4-320E-F773-0D018A8FB077}"/>
-              </a:ext>
-            </a:extLst>
-          </p:cNvPr>
+            <a:endParaRPr lang="en-US" dirty="0"/>
+          </a:p>
+        </p:txBody>
+      </p:sp>
+      <p:sp>
+        <p:nvSpPr>
+          <p:cNvPr id="3" name="Date Placeholder 2"/>
           <p:cNvSpPr>
             <a:spLocks noGrp="1"/>
           </p:cNvSpPr>
@@ -1956,7 +2167,7 @@
           <a:p>
             <a:fld id="{C85938DC-A15A-4447-9D72-A08E970E92F8}" type="datetimeFigureOut">
               <a:rPr lang="de-DE" smtClean="0"/>
-              <a:t>18.06.24</a:t>
+              <a:t>11.07.24</a:t>
             </a:fld>
             <a:endParaRPr lang="de-DE"/>
           </a:p>
@@ -1964,13 +2175,7 @@
       </p:sp>
       <p:sp>
         <p:nvSpPr>
-          <p:cNvPr id="4" name="Fußzeilenplatzhalter 3">
-            <a:extLst>
-              <a:ext uri="{FF2B5EF4-FFF2-40B4-BE49-F238E27FC236}">
-                <a16:creationId xmlns:a16="http://schemas.microsoft.com/office/drawing/2014/main" id="{1321AF2B-1DE1-10DB-0DE8-CB93D8CDBE50}"/>
-              </a:ext>
-            </a:extLst>
-          </p:cNvPr>
+          <p:cNvPr id="4" name="Footer Placeholder 3"/>
           <p:cNvSpPr>
             <a:spLocks noGrp="1"/>
           </p:cNvSpPr>
@@ -1989,13 +2194,7 @@
       </p:sp>
       <p:sp>
         <p:nvSpPr>
-          <p:cNvPr id="5" name="Foliennummernplatzhalter 4">
-            <a:extLst>
-              <a:ext uri="{FF2B5EF4-FFF2-40B4-BE49-F238E27FC236}">
-                <a16:creationId xmlns:a16="http://schemas.microsoft.com/office/drawing/2014/main" id="{ABD2B2AA-2FCA-9010-F58A-D1656C2CA737}"/>
-              </a:ext>
-            </a:extLst>
-          </p:cNvPr>
+          <p:cNvPr id="5" name="Slide Number Placeholder 4"/>
           <p:cNvSpPr>
             <a:spLocks noGrp="1"/>
           </p:cNvSpPr>
@@ -2019,7 +2218,7 @@
     </p:spTree>
     <p:extLst>
       <p:ext uri="{BB962C8B-B14F-4D97-AF65-F5344CB8AC3E}">
-        <p14:creationId xmlns:p14="http://schemas.microsoft.com/office/powerpoint/2010/main" val="3215148053"/>
+        <p14:creationId xmlns:p14="http://schemas.microsoft.com/office/powerpoint/2010/main" val="456607092"/>
       </p:ext>
     </p:extLst>
   </p:cSld>
@@ -2048,13 +2247,7 @@
       </p:grpSpPr>
       <p:sp>
         <p:nvSpPr>
-          <p:cNvPr id="2" name="Datumsplatzhalter 1">
-            <a:extLst>
-              <a:ext uri="{FF2B5EF4-FFF2-40B4-BE49-F238E27FC236}">
-                <a16:creationId xmlns:a16="http://schemas.microsoft.com/office/drawing/2014/main" id="{8C663109-29CE-39DE-AC15-E673EE1C4B5A}"/>
-              </a:ext>
-            </a:extLst>
-          </p:cNvPr>
+          <p:cNvPr id="2" name="Date Placeholder 1"/>
           <p:cNvSpPr>
             <a:spLocks noGrp="1"/>
           </p:cNvSpPr>
@@ -2069,7 +2262,7 @@
           <a:p>
             <a:fld id="{C85938DC-A15A-4447-9D72-A08E970E92F8}" type="datetimeFigureOut">
               <a:rPr lang="de-DE" smtClean="0"/>
-              <a:t>18.06.24</a:t>
+              <a:t>11.07.24</a:t>
             </a:fld>
             <a:endParaRPr lang="de-DE"/>
           </a:p>
@@ -2077,13 +2270,7 @@
       </p:sp>
       <p:sp>
         <p:nvSpPr>
-          <p:cNvPr id="3" name="Fußzeilenplatzhalter 2">
-            <a:extLst>
-              <a:ext uri="{FF2B5EF4-FFF2-40B4-BE49-F238E27FC236}">
-                <a16:creationId xmlns:a16="http://schemas.microsoft.com/office/drawing/2014/main" id="{6711ADA8-D6C3-93CB-5EEC-47830268AD6D}"/>
-              </a:ext>
-            </a:extLst>
-          </p:cNvPr>
+          <p:cNvPr id="3" name="Footer Placeholder 2"/>
           <p:cNvSpPr>
             <a:spLocks noGrp="1"/>
           </p:cNvSpPr>
@@ -2102,13 +2289,7 @@
       </p:sp>
       <p:sp>
         <p:nvSpPr>
-          <p:cNvPr id="4" name="Foliennummernplatzhalter 3">
-            <a:extLst>
-              <a:ext uri="{FF2B5EF4-FFF2-40B4-BE49-F238E27FC236}">
-                <a16:creationId xmlns:a16="http://schemas.microsoft.com/office/drawing/2014/main" id="{FB111F6D-AE58-C55B-D346-925BE0C88F61}"/>
-              </a:ext>
-            </a:extLst>
-          </p:cNvPr>
+          <p:cNvPr id="4" name="Slide Number Placeholder 3"/>
           <p:cNvSpPr>
             <a:spLocks noGrp="1"/>
           </p:cNvSpPr>
@@ -2132,7 +2313,7 @@
     </p:spTree>
     <p:extLst>
       <p:ext uri="{BB962C8B-B14F-4D97-AF65-F5344CB8AC3E}">
-        <p14:creationId xmlns:p14="http://schemas.microsoft.com/office/powerpoint/2010/main" val="3706264132"/>
+        <p14:creationId xmlns:p14="http://schemas.microsoft.com/office/powerpoint/2010/main" val="1105760881"/>
       </p:ext>
     </p:extLst>
   </p:cSld>
@@ -2161,13 +2342,7 @@
       </p:grpSpPr>
       <p:sp>
         <p:nvSpPr>
-          <p:cNvPr id="2" name="Titel 1">
-            <a:extLst>
-              <a:ext uri="{FF2B5EF4-FFF2-40B4-BE49-F238E27FC236}">
-                <a16:creationId xmlns:a16="http://schemas.microsoft.com/office/drawing/2014/main" id="{2BD7033B-9D47-2A83-C4F0-A58D155466CB}"/>
-              </a:ext>
-            </a:extLst>
-          </p:cNvPr>
+          <p:cNvPr id="2" name="Title 1"/>
           <p:cNvSpPr>
             <a:spLocks noGrp="1"/>
           </p:cNvSpPr>
@@ -2177,15 +2352,15 @@
         </p:nvSpPr>
         <p:spPr>
           <a:xfrm>
-            <a:off x="839788" y="457200"/>
-            <a:ext cx="3932237" cy="1600200"/>
+            <a:off x="1239890" y="839999"/>
+            <a:ext cx="5805682" cy="2939997"/>
           </a:xfrm>
         </p:spPr>
         <p:txBody>
           <a:bodyPr anchor="b"/>
           <a:lstStyle>
             <a:lvl1pPr>
-              <a:defRPr sz="3200"/>
+              <a:defRPr sz="5879"/>
             </a:lvl1pPr>
           </a:lstStyle>
           <a:p>
@@ -2193,18 +2368,13 @@
               <a:rPr lang="de-DE"/>
               <a:t>Mastertitelformat bearbeiten</a:t>
             </a:r>
-          </a:p>
-        </p:txBody>
-      </p:sp>
-      <p:sp>
-        <p:nvSpPr>
-          <p:cNvPr id="3" name="Inhaltsplatzhalter 2">
-            <a:extLst>
-              <a:ext uri="{FF2B5EF4-FFF2-40B4-BE49-F238E27FC236}">
-                <a16:creationId xmlns:a16="http://schemas.microsoft.com/office/drawing/2014/main" id="{9221BF48-F204-72C8-F754-C1DC1B8E542D}"/>
-              </a:ext>
-            </a:extLst>
-          </p:cNvPr>
+            <a:endParaRPr lang="en-US" dirty="0"/>
+          </a:p>
+        </p:txBody>
+      </p:sp>
+      <p:sp>
+        <p:nvSpPr>
+          <p:cNvPr id="3" name="Content Placeholder 2"/>
           <p:cNvSpPr>
             <a:spLocks noGrp="1"/>
           </p:cNvSpPr>
@@ -2214,39 +2384,39 @@
         </p:nvSpPr>
         <p:spPr>
           <a:xfrm>
-            <a:off x="5183188" y="987425"/>
-            <a:ext cx="6172200" cy="4873625"/>
+            <a:off x="7652626" y="1814168"/>
+            <a:ext cx="9112836" cy="8954158"/>
           </a:xfrm>
         </p:spPr>
         <p:txBody>
           <a:bodyPr/>
           <a:lstStyle>
             <a:lvl1pPr>
-              <a:defRPr sz="3200"/>
+              <a:defRPr sz="5879"/>
             </a:lvl1pPr>
             <a:lvl2pPr>
-              <a:defRPr sz="2800"/>
+              <a:defRPr sz="5144"/>
             </a:lvl2pPr>
             <a:lvl3pPr>
-              <a:defRPr sz="2400"/>
+              <a:defRPr sz="4410"/>
             </a:lvl3pPr>
             <a:lvl4pPr>
-              <a:defRPr sz="2000"/>
+              <a:defRPr sz="3675"/>
             </a:lvl4pPr>
             <a:lvl5pPr>
-              <a:defRPr sz="2000"/>
+              <a:defRPr sz="3675"/>
             </a:lvl5pPr>
             <a:lvl6pPr>
-              <a:defRPr sz="2000"/>
+              <a:defRPr sz="3675"/>
             </a:lvl6pPr>
             <a:lvl7pPr>
-              <a:defRPr sz="2000"/>
+              <a:defRPr sz="3675"/>
             </a:lvl7pPr>
             <a:lvl8pPr>
-              <a:defRPr sz="2000"/>
+              <a:defRPr sz="3675"/>
             </a:lvl8pPr>
             <a:lvl9pPr>
-              <a:defRPr sz="2000"/>
+              <a:defRPr sz="3675"/>
             </a:lvl9pPr>
           </a:lstStyle>
           <a:p>
@@ -2283,18 +2453,13 @@
               <a:rPr lang="de-DE"/>
               <a:t>Fünfte Ebene</a:t>
             </a:r>
-          </a:p>
-        </p:txBody>
-      </p:sp>
-      <p:sp>
-        <p:nvSpPr>
-          <p:cNvPr id="4" name="Textplatzhalter 3">
-            <a:extLst>
-              <a:ext uri="{FF2B5EF4-FFF2-40B4-BE49-F238E27FC236}">
-                <a16:creationId xmlns:a16="http://schemas.microsoft.com/office/drawing/2014/main" id="{3C3486CC-D2C0-BC72-8F65-FCF7C19CB2FE}"/>
-              </a:ext>
-            </a:extLst>
-          </p:cNvPr>
+            <a:endParaRPr lang="en-US" dirty="0"/>
+          </a:p>
+        </p:txBody>
+      </p:sp>
+      <p:sp>
+        <p:nvSpPr>
+          <p:cNvPr id="4" name="Text Placeholder 3"/>
           <p:cNvSpPr>
             <a:spLocks noGrp="1"/>
           </p:cNvSpPr>
@@ -2304,8 +2469,8 @@
         </p:nvSpPr>
         <p:spPr>
           <a:xfrm>
-            <a:off x="839788" y="2057400"/>
-            <a:ext cx="3932237" cy="3811588"/>
+            <a:off x="1239890" y="3779996"/>
+            <a:ext cx="5805682" cy="7002911"/>
           </a:xfrm>
         </p:spPr>
         <p:txBody>
@@ -2313,39 +2478,39 @@
           <a:lstStyle>
             <a:lvl1pPr marL="0" indent="0">
               <a:buNone/>
-              <a:defRPr sz="1600"/>
+              <a:defRPr sz="2940"/>
             </a:lvl1pPr>
-            <a:lvl2pPr marL="457200" indent="0">
-              <a:buNone/>
-              <a:defRPr sz="1400"/>
+            <a:lvl2pPr marL="840014" indent="0">
+              <a:buNone/>
+              <a:defRPr sz="2572"/>
             </a:lvl2pPr>
-            <a:lvl3pPr marL="914400" indent="0">
-              <a:buNone/>
-              <a:defRPr sz="1200"/>
+            <a:lvl3pPr marL="1680027" indent="0">
+              <a:buNone/>
+              <a:defRPr sz="2205"/>
             </a:lvl3pPr>
-            <a:lvl4pPr marL="1371600" indent="0">
-              <a:buNone/>
-              <a:defRPr sz="1000"/>
+            <a:lvl4pPr marL="2520041" indent="0">
+              <a:buNone/>
+              <a:defRPr sz="1837"/>
             </a:lvl4pPr>
-            <a:lvl5pPr marL="1828800" indent="0">
-              <a:buNone/>
-              <a:defRPr sz="1000"/>
+            <a:lvl5pPr marL="3360054" indent="0">
+              <a:buNone/>
+              <a:defRPr sz="1837"/>
             </a:lvl5pPr>
-            <a:lvl6pPr marL="2286000" indent="0">
-              <a:buNone/>
-              <a:defRPr sz="1000"/>
+            <a:lvl6pPr marL="4200068" indent="0">
+              <a:buNone/>
+              <a:defRPr sz="1837"/>
             </a:lvl6pPr>
-            <a:lvl7pPr marL="2743200" indent="0">
-              <a:buNone/>
-              <a:defRPr sz="1000"/>
+            <a:lvl7pPr marL="5040081" indent="0">
+              <a:buNone/>
+              <a:defRPr sz="1837"/>
             </a:lvl7pPr>
-            <a:lvl8pPr marL="3200400" indent="0">
-              <a:buNone/>
-              <a:defRPr sz="1000"/>
+            <a:lvl8pPr marL="5880095" indent="0">
+              <a:buNone/>
+              <a:defRPr sz="1837"/>
             </a:lvl8pPr>
-            <a:lvl9pPr marL="3657600" indent="0">
-              <a:buNone/>
-              <a:defRPr sz="1000"/>
+            <a:lvl9pPr marL="6720108" indent="0">
+              <a:buNone/>
+              <a:defRPr sz="1837"/>
             </a:lvl9pPr>
           </a:lstStyle>
           <a:p>
@@ -2359,13 +2524,7 @@
       </p:sp>
       <p:sp>
         <p:nvSpPr>
-          <p:cNvPr id="5" name="Datumsplatzhalter 4">
-            <a:extLst>
-              <a:ext uri="{FF2B5EF4-FFF2-40B4-BE49-F238E27FC236}">
-                <a16:creationId xmlns:a16="http://schemas.microsoft.com/office/drawing/2014/main" id="{C5ABAB52-3783-554E-988D-DB0ABACF6179}"/>
-              </a:ext>
-            </a:extLst>
-          </p:cNvPr>
+          <p:cNvPr id="5" name="Date Placeholder 4"/>
           <p:cNvSpPr>
             <a:spLocks noGrp="1"/>
           </p:cNvSpPr>
@@ -2380,7 +2539,7 @@
           <a:p>
             <a:fld id="{C85938DC-A15A-4447-9D72-A08E970E92F8}" type="datetimeFigureOut">
               <a:rPr lang="de-DE" smtClean="0"/>
-              <a:t>18.06.24</a:t>
+              <a:t>11.07.24</a:t>
             </a:fld>
             <a:endParaRPr lang="de-DE"/>
           </a:p>
@@ -2388,13 +2547,7 @@
       </p:sp>
       <p:sp>
         <p:nvSpPr>
-          <p:cNvPr id="6" name="Fußzeilenplatzhalter 5">
-            <a:extLst>
-              <a:ext uri="{FF2B5EF4-FFF2-40B4-BE49-F238E27FC236}">
-                <a16:creationId xmlns:a16="http://schemas.microsoft.com/office/drawing/2014/main" id="{CA515700-7844-6319-7039-51A76CFD059A}"/>
-              </a:ext>
-            </a:extLst>
-          </p:cNvPr>
+          <p:cNvPr id="6" name="Footer Placeholder 5"/>
           <p:cNvSpPr>
             <a:spLocks noGrp="1"/>
           </p:cNvSpPr>
@@ -2413,13 +2566,7 @@
       </p:sp>
       <p:sp>
         <p:nvSpPr>
-          <p:cNvPr id="7" name="Foliennummernplatzhalter 6">
-            <a:extLst>
-              <a:ext uri="{FF2B5EF4-FFF2-40B4-BE49-F238E27FC236}">
-                <a16:creationId xmlns:a16="http://schemas.microsoft.com/office/drawing/2014/main" id="{F6379FEF-6EA4-FA61-D77F-8791DBBE479D}"/>
-              </a:ext>
-            </a:extLst>
-          </p:cNvPr>
+          <p:cNvPr id="7" name="Slide Number Placeholder 6"/>
           <p:cNvSpPr>
             <a:spLocks noGrp="1"/>
           </p:cNvSpPr>
@@ -2443,7 +2590,7 @@
     </p:spTree>
     <p:extLst>
       <p:ext uri="{BB962C8B-B14F-4D97-AF65-F5344CB8AC3E}">
-        <p14:creationId xmlns:p14="http://schemas.microsoft.com/office/powerpoint/2010/main" val="3014069837"/>
+        <p14:creationId xmlns:p14="http://schemas.microsoft.com/office/powerpoint/2010/main" val="401986108"/>
       </p:ext>
     </p:extLst>
   </p:cSld>
@@ -2472,13 +2619,7 @@
       </p:grpSpPr>
       <p:sp>
         <p:nvSpPr>
-          <p:cNvPr id="2" name="Titel 1">
-            <a:extLst>
-              <a:ext uri="{FF2B5EF4-FFF2-40B4-BE49-F238E27FC236}">
-                <a16:creationId xmlns:a16="http://schemas.microsoft.com/office/drawing/2014/main" id="{754F3AC6-62CA-5442-CAFD-2C5B1AB4E123}"/>
-              </a:ext>
-            </a:extLst>
-          </p:cNvPr>
+          <p:cNvPr id="2" name="Title 1"/>
           <p:cNvSpPr>
             <a:spLocks noGrp="1"/>
           </p:cNvSpPr>
@@ -2488,15 +2629,15 @@
         </p:nvSpPr>
         <p:spPr>
           <a:xfrm>
-            <a:off x="839788" y="457200"/>
-            <a:ext cx="3932237" cy="1600200"/>
+            <a:off x="1239890" y="839999"/>
+            <a:ext cx="5805682" cy="2939997"/>
           </a:xfrm>
         </p:spPr>
         <p:txBody>
           <a:bodyPr anchor="b"/>
           <a:lstStyle>
             <a:lvl1pPr>
-              <a:defRPr sz="3200"/>
+              <a:defRPr sz="5879"/>
             </a:lvl1pPr>
           </a:lstStyle>
           <a:p>
@@ -2504,20 +2645,15 @@
               <a:rPr lang="de-DE"/>
               <a:t>Mastertitelformat bearbeiten</a:t>
             </a:r>
-          </a:p>
-        </p:txBody>
-      </p:sp>
-      <p:sp>
-        <p:nvSpPr>
-          <p:cNvPr id="3" name="Bildplatzhalter 2">
-            <a:extLst>
-              <a:ext uri="{FF2B5EF4-FFF2-40B4-BE49-F238E27FC236}">
-                <a16:creationId xmlns:a16="http://schemas.microsoft.com/office/drawing/2014/main" id="{BD0380ED-D973-D53A-E515-806C6D9BAA08}"/>
-              </a:ext>
-            </a:extLst>
-          </p:cNvPr>
-          <p:cNvSpPr>
-            <a:spLocks noGrp="1"/>
+            <a:endParaRPr lang="en-US" dirty="0"/>
+          </a:p>
+        </p:txBody>
+      </p:sp>
+      <p:sp>
+        <p:nvSpPr>
+          <p:cNvPr id="3" name="Picture Placeholder 2"/>
+          <p:cNvSpPr>
+            <a:spLocks noGrp="1" noChangeAspect="1"/>
           </p:cNvSpPr>
           <p:nvPr>
             <p:ph type="pic" idx="1"/>
@@ -2525,64 +2661,62 @@
         </p:nvSpPr>
         <p:spPr>
           <a:xfrm>
-            <a:off x="5183188" y="987425"/>
-            <a:ext cx="6172200" cy="4873625"/>
+            <a:off x="7652626" y="1814168"/>
+            <a:ext cx="9112836" cy="8954158"/>
           </a:xfrm>
         </p:spPr>
         <p:txBody>
-          <a:bodyPr/>
+          <a:bodyPr anchor="t"/>
           <a:lstStyle>
             <a:lvl1pPr marL="0" indent="0">
               <a:buNone/>
-              <a:defRPr sz="3200"/>
+              <a:defRPr sz="5879"/>
             </a:lvl1pPr>
-            <a:lvl2pPr marL="457200" indent="0">
-              <a:buNone/>
-              <a:defRPr sz="2800"/>
+            <a:lvl2pPr marL="840014" indent="0">
+              <a:buNone/>
+              <a:defRPr sz="5144"/>
             </a:lvl2pPr>
-            <a:lvl3pPr marL="914400" indent="0">
-              <a:buNone/>
-              <a:defRPr sz="2400"/>
+            <a:lvl3pPr marL="1680027" indent="0">
+              <a:buNone/>
+              <a:defRPr sz="4410"/>
             </a:lvl3pPr>
-            <a:lvl4pPr marL="1371600" indent="0">
-              <a:buNone/>
-              <a:defRPr sz="2000"/>
+            <a:lvl4pPr marL="2520041" indent="0">
+              <a:buNone/>
+              <a:defRPr sz="3675"/>
             </a:lvl4pPr>
-            <a:lvl5pPr marL="1828800" indent="0">
-              <a:buNone/>
-              <a:defRPr sz="2000"/>
+            <a:lvl5pPr marL="3360054" indent="0">
+              <a:buNone/>
+              <a:defRPr sz="3675"/>
             </a:lvl5pPr>
-            <a:lvl6pPr marL="2286000" indent="0">
-              <a:buNone/>
-              <a:defRPr sz="2000"/>
+            <a:lvl6pPr marL="4200068" indent="0">
+              <a:buNone/>
+              <a:defRPr sz="3675"/>
             </a:lvl6pPr>
-            <a:lvl7pPr marL="2743200" indent="0">
-              <a:buNone/>
-              <a:defRPr sz="2000"/>
+            <a:lvl7pPr marL="5040081" indent="0">
+              <a:buNone/>
+              <a:defRPr sz="3675"/>
             </a:lvl7pPr>
-            <a:lvl8pPr marL="3200400" indent="0">
-              <a:buNone/>
-              <a:defRPr sz="2000"/>
+            <a:lvl8pPr marL="5880095" indent="0">
+              <a:buNone/>
+              <a:defRPr sz="3675"/>
             </a:lvl8pPr>
-            <a:lvl9pPr marL="3657600" indent="0">
-              <a:buNone/>
-              <a:defRPr sz="2000"/>
+            <a:lvl9pPr marL="6720108" indent="0">
+              <a:buNone/>
+              <a:defRPr sz="3675"/>
             </a:lvl9pPr>
           </a:lstStyle>
           <a:p>
-            <a:endParaRPr lang="de-DE"/>
-          </a:p>
-        </p:txBody>
-      </p:sp>
-      <p:sp>
-        <p:nvSpPr>
-          <p:cNvPr id="4" name="Textplatzhalter 3">
-            <a:extLst>
-              <a:ext uri="{FF2B5EF4-FFF2-40B4-BE49-F238E27FC236}">
-                <a16:creationId xmlns:a16="http://schemas.microsoft.com/office/drawing/2014/main" id="{BFAE7C7D-0936-2F21-3159-2ECA46EC98E8}"/>
-              </a:ext>
-            </a:extLst>
-          </p:cNvPr>
+            <a:r>
+              <a:rPr lang="de-DE"/>
+              <a:t>Bild durch Klicken auf Symbol hinzufügen</a:t>
+            </a:r>
+            <a:endParaRPr lang="en-US" dirty="0"/>
+          </a:p>
+        </p:txBody>
+      </p:sp>
+      <p:sp>
+        <p:nvSpPr>
+          <p:cNvPr id="4" name="Text Placeholder 3"/>
           <p:cNvSpPr>
             <a:spLocks noGrp="1"/>
           </p:cNvSpPr>
@@ -2592,8 +2726,8 @@
         </p:nvSpPr>
         <p:spPr>
           <a:xfrm>
-            <a:off x="839788" y="2057400"/>
-            <a:ext cx="3932237" cy="3811588"/>
+            <a:off x="1239890" y="3779996"/>
+            <a:ext cx="5805682" cy="7002911"/>
           </a:xfrm>
         </p:spPr>
         <p:txBody>
@@ -2601,39 +2735,39 @@
           <a:lstStyle>
             <a:lvl1pPr marL="0" indent="0">
               <a:buNone/>
-              <a:defRPr sz="1600"/>
+              <a:defRPr sz="2940"/>
             </a:lvl1pPr>
-            <a:lvl2pPr marL="457200" indent="0">
-              <a:buNone/>
-              <a:defRPr sz="1400"/>
+            <a:lvl2pPr marL="840014" indent="0">
+              <a:buNone/>
+              <a:defRPr sz="2572"/>
             </a:lvl2pPr>
-            <a:lvl3pPr marL="914400" indent="0">
-              <a:buNone/>
-              <a:defRPr sz="1200"/>
+            <a:lvl3pPr marL="1680027" indent="0">
+              <a:buNone/>
+              <a:defRPr sz="2205"/>
             </a:lvl3pPr>
-            <a:lvl4pPr marL="1371600" indent="0">
-              <a:buNone/>
-              <a:defRPr sz="1000"/>
+            <a:lvl4pPr marL="2520041" indent="0">
+              <a:buNone/>
+              <a:defRPr sz="1837"/>
             </a:lvl4pPr>
-            <a:lvl5pPr marL="1828800" indent="0">
-              <a:buNone/>
-              <a:defRPr sz="1000"/>
+            <a:lvl5pPr marL="3360054" indent="0">
+              <a:buNone/>
+              <a:defRPr sz="1837"/>
             </a:lvl5pPr>
-            <a:lvl6pPr marL="2286000" indent="0">
-              <a:buNone/>
-              <a:defRPr sz="1000"/>
+            <a:lvl6pPr marL="4200068" indent="0">
+              <a:buNone/>
+              <a:defRPr sz="1837"/>
             </a:lvl6pPr>
-            <a:lvl7pPr marL="2743200" indent="0">
-              <a:buNone/>
-              <a:defRPr sz="1000"/>
+            <a:lvl7pPr marL="5040081" indent="0">
+              <a:buNone/>
+              <a:defRPr sz="1837"/>
             </a:lvl7pPr>
-            <a:lvl8pPr marL="3200400" indent="0">
-              <a:buNone/>
-              <a:defRPr sz="1000"/>
+            <a:lvl8pPr marL="5880095" indent="0">
+              <a:buNone/>
+              <a:defRPr sz="1837"/>
             </a:lvl8pPr>
-            <a:lvl9pPr marL="3657600" indent="0">
-              <a:buNone/>
-              <a:defRPr sz="1000"/>
+            <a:lvl9pPr marL="6720108" indent="0">
+              <a:buNone/>
+              <a:defRPr sz="1837"/>
             </a:lvl9pPr>
           </a:lstStyle>
           <a:p>
@@ -2647,13 +2781,7 @@
       </p:sp>
       <p:sp>
         <p:nvSpPr>
-          <p:cNvPr id="5" name="Datumsplatzhalter 4">
-            <a:extLst>
-              <a:ext uri="{FF2B5EF4-FFF2-40B4-BE49-F238E27FC236}">
-                <a16:creationId xmlns:a16="http://schemas.microsoft.com/office/drawing/2014/main" id="{99DAB109-CA89-9478-52D6-E1E658AA184E}"/>
-              </a:ext>
-            </a:extLst>
-          </p:cNvPr>
+          <p:cNvPr id="5" name="Date Placeholder 4"/>
           <p:cNvSpPr>
             <a:spLocks noGrp="1"/>
           </p:cNvSpPr>
@@ -2668,7 +2796,7 @@
           <a:p>
             <a:fld id="{C85938DC-A15A-4447-9D72-A08E970E92F8}" type="datetimeFigureOut">
               <a:rPr lang="de-DE" smtClean="0"/>
-              <a:t>18.06.24</a:t>
+              <a:t>11.07.24</a:t>
             </a:fld>
             <a:endParaRPr lang="de-DE"/>
           </a:p>
@@ -2676,13 +2804,7 @@
       </p:sp>
       <p:sp>
         <p:nvSpPr>
-          <p:cNvPr id="6" name="Fußzeilenplatzhalter 5">
-            <a:extLst>
-              <a:ext uri="{FF2B5EF4-FFF2-40B4-BE49-F238E27FC236}">
-                <a16:creationId xmlns:a16="http://schemas.microsoft.com/office/drawing/2014/main" id="{207CD139-A762-198D-0C37-3083E4E3B081}"/>
-              </a:ext>
-            </a:extLst>
-          </p:cNvPr>
+          <p:cNvPr id="6" name="Footer Placeholder 5"/>
           <p:cNvSpPr>
             <a:spLocks noGrp="1"/>
           </p:cNvSpPr>
@@ -2701,13 +2823,7 @@
       </p:sp>
       <p:sp>
         <p:nvSpPr>
-          <p:cNvPr id="7" name="Foliennummernplatzhalter 6">
-            <a:extLst>
-              <a:ext uri="{FF2B5EF4-FFF2-40B4-BE49-F238E27FC236}">
-                <a16:creationId xmlns:a16="http://schemas.microsoft.com/office/drawing/2014/main" id="{A06A9A02-1A7E-F884-93E1-86F4F73C4935}"/>
-              </a:ext>
-            </a:extLst>
-          </p:cNvPr>
+          <p:cNvPr id="7" name="Slide Number Placeholder 6"/>
           <p:cNvSpPr>
             <a:spLocks noGrp="1"/>
           </p:cNvSpPr>
@@ -2731,7 +2847,7 @@
     </p:spTree>
     <p:extLst>
       <p:ext uri="{BB962C8B-B14F-4D97-AF65-F5344CB8AC3E}">
-        <p14:creationId xmlns:p14="http://schemas.microsoft.com/office/powerpoint/2010/main" val="1744393056"/>
+        <p14:creationId xmlns:p14="http://schemas.microsoft.com/office/powerpoint/2010/main" val="726294380"/>
       </p:ext>
     </p:extLst>
   </p:cSld>
@@ -2765,13 +2881,7 @@
       </p:grpSpPr>
       <p:sp>
         <p:nvSpPr>
-          <p:cNvPr id="2" name="Titelplatzhalter 1">
-            <a:extLst>
-              <a:ext uri="{FF2B5EF4-FFF2-40B4-BE49-F238E27FC236}">
-                <a16:creationId xmlns:a16="http://schemas.microsoft.com/office/drawing/2014/main" id="{C2CDDCF0-8C7F-8399-A2C6-DD5361426C6A}"/>
-              </a:ext>
-            </a:extLst>
-          </p:cNvPr>
+          <p:cNvPr id="2" name="Title Placeholder 1"/>
           <p:cNvSpPr>
             <a:spLocks noGrp="1"/>
           </p:cNvSpPr>
@@ -2781,8 +2891,8 @@
         </p:nvSpPr>
         <p:spPr>
           <a:xfrm>
-            <a:off x="838200" y="365125"/>
-            <a:ext cx="10515600" cy="1325563"/>
+            <a:off x="1237546" y="670836"/>
+            <a:ext cx="15525572" cy="2435415"/>
           </a:xfrm>
           <a:prstGeom prst="rect">
             <a:avLst/>
@@ -2798,18 +2908,13 @@
               <a:rPr lang="de-DE"/>
               <a:t>Mastertitelformat bearbeiten</a:t>
             </a:r>
-          </a:p>
-        </p:txBody>
-      </p:sp>
-      <p:sp>
-        <p:nvSpPr>
-          <p:cNvPr id="3" name="Textplatzhalter 2">
-            <a:extLst>
-              <a:ext uri="{FF2B5EF4-FFF2-40B4-BE49-F238E27FC236}">
-                <a16:creationId xmlns:a16="http://schemas.microsoft.com/office/drawing/2014/main" id="{FA0A7F71-D6A9-124E-06AA-1C2BCEA10759}"/>
-              </a:ext>
-            </a:extLst>
-          </p:cNvPr>
+            <a:endParaRPr lang="en-US" dirty="0"/>
+          </a:p>
+        </p:txBody>
+      </p:sp>
+      <p:sp>
+        <p:nvSpPr>
+          <p:cNvPr id="3" name="Text Placeholder 2"/>
           <p:cNvSpPr>
             <a:spLocks noGrp="1"/>
           </p:cNvSpPr>
@@ -2819,8 +2924,8 @@
         </p:nvSpPr>
         <p:spPr>
           <a:xfrm>
-            <a:off x="838200" y="1825625"/>
-            <a:ext cx="10515600" cy="4351338"/>
+            <a:off x="1237546" y="3354163"/>
+            <a:ext cx="15525572" cy="7994577"/>
           </a:xfrm>
           <a:prstGeom prst="rect">
             <a:avLst/>
@@ -2865,18 +2970,13 @@
               <a:rPr lang="de-DE"/>
               <a:t>Fünfte Ebene</a:t>
             </a:r>
-          </a:p>
-        </p:txBody>
-      </p:sp>
-      <p:sp>
-        <p:nvSpPr>
-          <p:cNvPr id="4" name="Datumsplatzhalter 3">
-            <a:extLst>
-              <a:ext uri="{FF2B5EF4-FFF2-40B4-BE49-F238E27FC236}">
-                <a16:creationId xmlns:a16="http://schemas.microsoft.com/office/drawing/2014/main" id="{0CA23B86-D71B-DF33-95C8-B2A4D2FFA81D}"/>
-              </a:ext>
-            </a:extLst>
-          </p:cNvPr>
+            <a:endParaRPr lang="en-US" dirty="0"/>
+          </a:p>
+        </p:txBody>
+      </p:sp>
+      <p:sp>
+        <p:nvSpPr>
+          <p:cNvPr id="4" name="Date Placeholder 3"/>
           <p:cNvSpPr>
             <a:spLocks noGrp="1"/>
           </p:cNvSpPr>
@@ -2886,8 +2986,8 @@
         </p:nvSpPr>
         <p:spPr>
           <a:xfrm>
-            <a:off x="838200" y="6356350"/>
-            <a:ext cx="2743200" cy="365125"/>
+            <a:off x="1237546" y="11678325"/>
+            <a:ext cx="4050149" cy="670833"/>
           </a:xfrm>
           <a:prstGeom prst="rect">
             <a:avLst/>
@@ -2897,10 +2997,10 @@
           <a:bodyPr vert="horz" lIns="91440" tIns="45720" rIns="91440" bIns="45720" rtlCol="0" anchor="ctr"/>
           <a:lstStyle>
             <a:lvl1pPr algn="l">
-              <a:defRPr sz="1200">
+              <a:defRPr sz="2205">
                 <a:solidFill>
                   <a:schemeClr val="tx1">
-                    <a:tint val="82000"/>
+                    <a:shade val="82000"/>
                   </a:schemeClr>
                 </a:solidFill>
               </a:defRPr>
@@ -2909,7 +3009,7 @@
           <a:p>
             <a:fld id="{C85938DC-A15A-4447-9D72-A08E970E92F8}" type="datetimeFigureOut">
               <a:rPr lang="de-DE" smtClean="0"/>
-              <a:t>18.06.24</a:t>
+              <a:t>11.07.24</a:t>
             </a:fld>
             <a:endParaRPr lang="de-DE"/>
           </a:p>
@@ -2917,13 +3017,7 @@
       </p:sp>
       <p:sp>
         <p:nvSpPr>
-          <p:cNvPr id="5" name="Fußzeilenplatzhalter 4">
-            <a:extLst>
-              <a:ext uri="{FF2B5EF4-FFF2-40B4-BE49-F238E27FC236}">
-                <a16:creationId xmlns:a16="http://schemas.microsoft.com/office/drawing/2014/main" id="{3417F05C-56E7-F7A5-4AC9-F4FC0808B5D5}"/>
-              </a:ext>
-            </a:extLst>
-          </p:cNvPr>
+          <p:cNvPr id="5" name="Footer Placeholder 4"/>
           <p:cNvSpPr>
             <a:spLocks noGrp="1"/>
           </p:cNvSpPr>
@@ -2933,8 +3027,8 @@
         </p:nvSpPr>
         <p:spPr>
           <a:xfrm>
-            <a:off x="4038600" y="6356350"/>
-            <a:ext cx="4114800" cy="365125"/>
+            <a:off x="5962720" y="11678325"/>
+            <a:ext cx="6075224" cy="670833"/>
           </a:xfrm>
           <a:prstGeom prst="rect">
             <a:avLst/>
@@ -2944,10 +3038,10 @@
           <a:bodyPr vert="horz" lIns="91440" tIns="45720" rIns="91440" bIns="45720" rtlCol="0" anchor="ctr"/>
           <a:lstStyle>
             <a:lvl1pPr algn="ctr">
-              <a:defRPr sz="1200">
+              <a:defRPr sz="2205">
                 <a:solidFill>
                   <a:schemeClr val="tx1">
-                    <a:tint val="82000"/>
+                    <a:shade val="82000"/>
                   </a:schemeClr>
                 </a:solidFill>
               </a:defRPr>
@@ -2960,13 +3054,7 @@
       </p:sp>
       <p:sp>
         <p:nvSpPr>
-          <p:cNvPr id="6" name="Foliennummernplatzhalter 5">
-            <a:extLst>
-              <a:ext uri="{FF2B5EF4-FFF2-40B4-BE49-F238E27FC236}">
-                <a16:creationId xmlns:a16="http://schemas.microsoft.com/office/drawing/2014/main" id="{0A526DD9-26BF-57D2-5106-B3FB92583A7E}"/>
-              </a:ext>
-            </a:extLst>
-          </p:cNvPr>
+          <p:cNvPr id="6" name="Slide Number Placeholder 5"/>
           <p:cNvSpPr>
             <a:spLocks noGrp="1"/>
           </p:cNvSpPr>
@@ -2976,8 +3064,8 @@
         </p:nvSpPr>
         <p:spPr>
           <a:xfrm>
-            <a:off x="8610600" y="6356350"/>
-            <a:ext cx="2743200" cy="365125"/>
+            <a:off x="12712968" y="11678325"/>
+            <a:ext cx="4050149" cy="670833"/>
           </a:xfrm>
           <a:prstGeom prst="rect">
             <a:avLst/>
@@ -2987,10 +3075,10 @@
           <a:bodyPr vert="horz" lIns="91440" tIns="45720" rIns="91440" bIns="45720" rtlCol="0" anchor="ctr"/>
           <a:lstStyle>
             <a:lvl1pPr algn="r">
-              <a:defRPr sz="1200">
+              <a:defRPr sz="2205">
                 <a:solidFill>
                   <a:schemeClr val="tx1">
-                    <a:tint val="82000"/>
+                    <a:shade val="82000"/>
                   </a:schemeClr>
                 </a:solidFill>
               </a:defRPr>
@@ -3008,27 +3096,27 @@
     </p:spTree>
     <p:extLst>
       <p:ext uri="{BB962C8B-B14F-4D97-AF65-F5344CB8AC3E}">
-        <p14:creationId xmlns:p14="http://schemas.microsoft.com/office/powerpoint/2010/main" val="2356621285"/>
+        <p14:creationId xmlns:p14="http://schemas.microsoft.com/office/powerpoint/2010/main" val="1230724558"/>
       </p:ext>
     </p:extLst>
   </p:cSld>
-  <p:clrMap bg1="lt1" tx1="dk1" bg2="lt2" tx2="dk2" accent1="accent1" accent2="accent2" accent3="accent3" accent4="accent4" accent5="accent5" accent6="accent6" hlink="hlink" folHlink="folHlink"/>
+  <p:clrMap bg1="dk1" tx1="lt1" bg2="dk2" tx2="lt2" accent1="accent1" accent2="accent2" accent3="accent3" accent4="accent4" accent5="accent5" accent6="accent6" hlink="hlink" folHlink="folHlink"/>
   <p:sldLayoutIdLst>
-    <p:sldLayoutId id="2147483649" r:id="rId1"/>
-    <p:sldLayoutId id="2147483650" r:id="rId2"/>
-    <p:sldLayoutId id="2147483651" r:id="rId3"/>
-    <p:sldLayoutId id="2147483652" r:id="rId4"/>
-    <p:sldLayoutId id="2147483653" r:id="rId5"/>
-    <p:sldLayoutId id="2147483654" r:id="rId6"/>
-    <p:sldLayoutId id="2147483655" r:id="rId7"/>
-    <p:sldLayoutId id="2147483656" r:id="rId8"/>
-    <p:sldLayoutId id="2147483657" r:id="rId9"/>
-    <p:sldLayoutId id="2147483658" r:id="rId10"/>
-    <p:sldLayoutId id="2147483659" r:id="rId11"/>
+    <p:sldLayoutId id="2147483685" r:id="rId1"/>
+    <p:sldLayoutId id="2147483686" r:id="rId2"/>
+    <p:sldLayoutId id="2147483687" r:id="rId3"/>
+    <p:sldLayoutId id="2147483688" r:id="rId4"/>
+    <p:sldLayoutId id="2147483689" r:id="rId5"/>
+    <p:sldLayoutId id="2147483690" r:id="rId6"/>
+    <p:sldLayoutId id="2147483691" r:id="rId7"/>
+    <p:sldLayoutId id="2147483692" r:id="rId8"/>
+    <p:sldLayoutId id="2147483693" r:id="rId9"/>
+    <p:sldLayoutId id="2147483694" r:id="rId10"/>
+    <p:sldLayoutId id="2147483695" r:id="rId11"/>
   </p:sldLayoutIdLst>
   <p:txStyles>
     <p:titleStyle>
-      <a:lvl1pPr algn="l" defTabSz="914400" rtl="0" eaLnBrk="1" latinLnBrk="0" hangingPunct="1">
+      <a:lvl1pPr algn="l" defTabSz="1680027" rtl="0" eaLnBrk="1" latinLnBrk="0" hangingPunct="1">
         <a:lnSpc>
           <a:spcPct val="90000"/>
         </a:lnSpc>
@@ -3036,7 +3124,7 @@
           <a:spcPct val="0"/>
         </a:spcBef>
         <a:buNone/>
-        <a:defRPr sz="4400" kern="1200">
+        <a:defRPr sz="8084" kern="1200">
           <a:solidFill>
             <a:schemeClr val="tx1"/>
           </a:solidFill>
@@ -3047,16 +3135,16 @@
       </a:lvl1pPr>
     </p:titleStyle>
     <p:bodyStyle>
-      <a:lvl1pPr marL="228600" indent="-228600" algn="l" defTabSz="914400" rtl="0" eaLnBrk="1" latinLnBrk="0" hangingPunct="1">
+      <a:lvl1pPr marL="420007" indent="-420007" algn="l" defTabSz="1680027" rtl="0" eaLnBrk="1" latinLnBrk="0" hangingPunct="1">
         <a:lnSpc>
           <a:spcPct val="90000"/>
         </a:lnSpc>
         <a:spcBef>
-          <a:spcPts val="1000"/>
+          <a:spcPts val="1837"/>
         </a:spcBef>
         <a:buFont typeface="Arial" panose="020B0604020202020204" pitchFamily="34" charset="0"/>
         <a:buChar char="•"/>
-        <a:defRPr sz="2800" kern="1200">
+        <a:defRPr sz="5144" kern="1200">
           <a:solidFill>
             <a:schemeClr val="tx1"/>
           </a:solidFill>
@@ -3065,16 +3153,16 @@
           <a:cs typeface="+mn-cs"/>
         </a:defRPr>
       </a:lvl1pPr>
-      <a:lvl2pPr marL="685800" indent="-228600" algn="l" defTabSz="914400" rtl="0" eaLnBrk="1" latinLnBrk="0" hangingPunct="1">
+      <a:lvl2pPr marL="1260020" indent="-420007" algn="l" defTabSz="1680027" rtl="0" eaLnBrk="1" latinLnBrk="0" hangingPunct="1">
         <a:lnSpc>
           <a:spcPct val="90000"/>
         </a:lnSpc>
         <a:spcBef>
-          <a:spcPts val="500"/>
+          <a:spcPts val="919"/>
         </a:spcBef>
         <a:buFont typeface="Arial" panose="020B0604020202020204" pitchFamily="34" charset="0"/>
         <a:buChar char="•"/>
-        <a:defRPr sz="2400" kern="1200">
+        <a:defRPr sz="4410" kern="1200">
           <a:solidFill>
             <a:schemeClr val="tx1"/>
           </a:solidFill>
@@ -3083,16 +3171,16 @@
           <a:cs typeface="+mn-cs"/>
         </a:defRPr>
       </a:lvl2pPr>
-      <a:lvl3pPr marL="1143000" indent="-228600" algn="l" defTabSz="914400" rtl="0" eaLnBrk="1" latinLnBrk="0" hangingPunct="1">
+      <a:lvl3pPr marL="2100034" indent="-420007" algn="l" defTabSz="1680027" rtl="0" eaLnBrk="1" latinLnBrk="0" hangingPunct="1">
         <a:lnSpc>
           <a:spcPct val="90000"/>
         </a:lnSpc>
         <a:spcBef>
-          <a:spcPts val="500"/>
+          <a:spcPts val="919"/>
         </a:spcBef>
         <a:buFont typeface="Arial" panose="020B0604020202020204" pitchFamily="34" charset="0"/>
         <a:buChar char="•"/>
-        <a:defRPr sz="2000" kern="1200">
+        <a:defRPr sz="3675" kern="1200">
           <a:solidFill>
             <a:schemeClr val="tx1"/>
           </a:solidFill>
@@ -3101,16 +3189,16 @@
           <a:cs typeface="+mn-cs"/>
         </a:defRPr>
       </a:lvl3pPr>
-      <a:lvl4pPr marL="1600200" indent="-228600" algn="l" defTabSz="914400" rtl="0" eaLnBrk="1" latinLnBrk="0" hangingPunct="1">
+      <a:lvl4pPr marL="2940047" indent="-420007" algn="l" defTabSz="1680027" rtl="0" eaLnBrk="1" latinLnBrk="0" hangingPunct="1">
         <a:lnSpc>
           <a:spcPct val="90000"/>
         </a:lnSpc>
         <a:spcBef>
-          <a:spcPts val="500"/>
+          <a:spcPts val="919"/>
         </a:spcBef>
         <a:buFont typeface="Arial" panose="020B0604020202020204" pitchFamily="34" charset="0"/>
         <a:buChar char="•"/>
-        <a:defRPr sz="1800" kern="1200">
+        <a:defRPr sz="3307" kern="1200">
           <a:solidFill>
             <a:schemeClr val="tx1"/>
           </a:solidFill>
@@ -3119,16 +3207,16 @@
           <a:cs typeface="+mn-cs"/>
         </a:defRPr>
       </a:lvl4pPr>
-      <a:lvl5pPr marL="2057400" indent="-228600" algn="l" defTabSz="914400" rtl="0" eaLnBrk="1" latinLnBrk="0" hangingPunct="1">
+      <a:lvl5pPr marL="3780061" indent="-420007" algn="l" defTabSz="1680027" rtl="0" eaLnBrk="1" latinLnBrk="0" hangingPunct="1">
         <a:lnSpc>
           <a:spcPct val="90000"/>
         </a:lnSpc>
         <a:spcBef>
-          <a:spcPts val="500"/>
+          <a:spcPts val="919"/>
         </a:spcBef>
         <a:buFont typeface="Arial" panose="020B0604020202020204" pitchFamily="34" charset="0"/>
         <a:buChar char="•"/>
-        <a:defRPr sz="1800" kern="1200">
+        <a:defRPr sz="3307" kern="1200">
           <a:solidFill>
             <a:schemeClr val="tx1"/>
           </a:solidFill>
@@ -3137,16 +3225,16 @@
           <a:cs typeface="+mn-cs"/>
         </a:defRPr>
       </a:lvl5pPr>
-      <a:lvl6pPr marL="2514600" indent="-228600" algn="l" defTabSz="914400" rtl="0" eaLnBrk="1" latinLnBrk="0" hangingPunct="1">
+      <a:lvl6pPr marL="4620075" indent="-420007" algn="l" defTabSz="1680027" rtl="0" eaLnBrk="1" latinLnBrk="0" hangingPunct="1">
         <a:lnSpc>
           <a:spcPct val="90000"/>
         </a:lnSpc>
         <a:spcBef>
-          <a:spcPts val="500"/>
+          <a:spcPts val="919"/>
         </a:spcBef>
         <a:buFont typeface="Arial" panose="020B0604020202020204" pitchFamily="34" charset="0"/>
         <a:buChar char="•"/>
-        <a:defRPr sz="1800" kern="1200">
+        <a:defRPr sz="3307" kern="1200">
           <a:solidFill>
             <a:schemeClr val="tx1"/>
           </a:solidFill>
@@ -3155,16 +3243,16 @@
           <a:cs typeface="+mn-cs"/>
         </a:defRPr>
       </a:lvl6pPr>
-      <a:lvl7pPr marL="2971800" indent="-228600" algn="l" defTabSz="914400" rtl="0" eaLnBrk="1" latinLnBrk="0" hangingPunct="1">
+      <a:lvl7pPr marL="5460088" indent="-420007" algn="l" defTabSz="1680027" rtl="0" eaLnBrk="1" latinLnBrk="0" hangingPunct="1">
         <a:lnSpc>
           <a:spcPct val="90000"/>
         </a:lnSpc>
         <a:spcBef>
-          <a:spcPts val="500"/>
+          <a:spcPts val="919"/>
         </a:spcBef>
         <a:buFont typeface="Arial" panose="020B0604020202020204" pitchFamily="34" charset="0"/>
         <a:buChar char="•"/>
-        <a:defRPr sz="1800" kern="1200">
+        <a:defRPr sz="3307" kern="1200">
           <a:solidFill>
             <a:schemeClr val="tx1"/>
           </a:solidFill>
@@ -3173,16 +3261,16 @@
           <a:cs typeface="+mn-cs"/>
         </a:defRPr>
       </a:lvl7pPr>
-      <a:lvl8pPr marL="3429000" indent="-228600" algn="l" defTabSz="914400" rtl="0" eaLnBrk="1" latinLnBrk="0" hangingPunct="1">
+      <a:lvl8pPr marL="6300102" indent="-420007" algn="l" defTabSz="1680027" rtl="0" eaLnBrk="1" latinLnBrk="0" hangingPunct="1">
         <a:lnSpc>
           <a:spcPct val="90000"/>
         </a:lnSpc>
         <a:spcBef>
-          <a:spcPts val="500"/>
+          <a:spcPts val="919"/>
         </a:spcBef>
         <a:buFont typeface="Arial" panose="020B0604020202020204" pitchFamily="34" charset="0"/>
         <a:buChar char="•"/>
-        <a:defRPr sz="1800" kern="1200">
+        <a:defRPr sz="3307" kern="1200">
           <a:solidFill>
             <a:schemeClr val="tx1"/>
           </a:solidFill>
@@ -3191,16 +3279,16 @@
           <a:cs typeface="+mn-cs"/>
         </a:defRPr>
       </a:lvl8pPr>
-      <a:lvl9pPr marL="3886200" indent="-228600" algn="l" defTabSz="914400" rtl="0" eaLnBrk="1" latinLnBrk="0" hangingPunct="1">
+      <a:lvl9pPr marL="7140115" indent="-420007" algn="l" defTabSz="1680027" rtl="0" eaLnBrk="1" latinLnBrk="0" hangingPunct="1">
         <a:lnSpc>
           <a:spcPct val="90000"/>
         </a:lnSpc>
         <a:spcBef>
-          <a:spcPts val="500"/>
+          <a:spcPts val="919"/>
         </a:spcBef>
         <a:buFont typeface="Arial" panose="020B0604020202020204" pitchFamily="34" charset="0"/>
         <a:buChar char="•"/>
-        <a:defRPr sz="1800" kern="1200">
+        <a:defRPr sz="3307" kern="1200">
           <a:solidFill>
             <a:schemeClr val="tx1"/>
           </a:solidFill>
@@ -3212,10 +3300,10 @@
     </p:bodyStyle>
     <p:otherStyle>
       <a:defPPr>
-        <a:defRPr lang="de-DE"/>
+        <a:defRPr lang="en-US"/>
       </a:defPPr>
-      <a:lvl1pPr marL="0" algn="l" defTabSz="914400" rtl="0" eaLnBrk="1" latinLnBrk="0" hangingPunct="1">
-        <a:defRPr sz="1800" kern="1200">
+      <a:lvl1pPr marL="0" algn="l" defTabSz="1680027" rtl="0" eaLnBrk="1" latinLnBrk="0" hangingPunct="1">
+        <a:defRPr sz="3307" kern="1200">
           <a:solidFill>
             <a:schemeClr val="tx1"/>
           </a:solidFill>
@@ -3224,8 +3312,8 @@
           <a:cs typeface="+mn-cs"/>
         </a:defRPr>
       </a:lvl1pPr>
-      <a:lvl2pPr marL="457200" algn="l" defTabSz="914400" rtl="0" eaLnBrk="1" latinLnBrk="0" hangingPunct="1">
-        <a:defRPr sz="1800" kern="1200">
+      <a:lvl2pPr marL="840014" algn="l" defTabSz="1680027" rtl="0" eaLnBrk="1" latinLnBrk="0" hangingPunct="1">
+        <a:defRPr sz="3307" kern="1200">
           <a:solidFill>
             <a:schemeClr val="tx1"/>
           </a:solidFill>
@@ -3234,8 +3322,8 @@
           <a:cs typeface="+mn-cs"/>
         </a:defRPr>
       </a:lvl2pPr>
-      <a:lvl3pPr marL="914400" algn="l" defTabSz="914400" rtl="0" eaLnBrk="1" latinLnBrk="0" hangingPunct="1">
-        <a:defRPr sz="1800" kern="1200">
+      <a:lvl3pPr marL="1680027" algn="l" defTabSz="1680027" rtl="0" eaLnBrk="1" latinLnBrk="0" hangingPunct="1">
+        <a:defRPr sz="3307" kern="1200">
           <a:solidFill>
             <a:schemeClr val="tx1"/>
           </a:solidFill>
@@ -3244,8 +3332,8 @@
           <a:cs typeface="+mn-cs"/>
         </a:defRPr>
       </a:lvl3pPr>
-      <a:lvl4pPr marL="1371600" algn="l" defTabSz="914400" rtl="0" eaLnBrk="1" latinLnBrk="0" hangingPunct="1">
-        <a:defRPr sz="1800" kern="1200">
+      <a:lvl4pPr marL="2520041" algn="l" defTabSz="1680027" rtl="0" eaLnBrk="1" latinLnBrk="0" hangingPunct="1">
+        <a:defRPr sz="3307" kern="1200">
           <a:solidFill>
             <a:schemeClr val="tx1"/>
           </a:solidFill>
@@ -3254,8 +3342,8 @@
           <a:cs typeface="+mn-cs"/>
         </a:defRPr>
       </a:lvl4pPr>
-      <a:lvl5pPr marL="1828800" algn="l" defTabSz="914400" rtl="0" eaLnBrk="1" latinLnBrk="0" hangingPunct="1">
-        <a:defRPr sz="1800" kern="1200">
+      <a:lvl5pPr marL="3360054" algn="l" defTabSz="1680027" rtl="0" eaLnBrk="1" latinLnBrk="0" hangingPunct="1">
+        <a:defRPr sz="3307" kern="1200">
           <a:solidFill>
             <a:schemeClr val="tx1"/>
           </a:solidFill>
@@ -3264,8 +3352,8 @@
           <a:cs typeface="+mn-cs"/>
         </a:defRPr>
       </a:lvl5pPr>
-      <a:lvl6pPr marL="2286000" algn="l" defTabSz="914400" rtl="0" eaLnBrk="1" latinLnBrk="0" hangingPunct="1">
-        <a:defRPr sz="1800" kern="1200">
+      <a:lvl6pPr marL="4200068" algn="l" defTabSz="1680027" rtl="0" eaLnBrk="1" latinLnBrk="0" hangingPunct="1">
+        <a:defRPr sz="3307" kern="1200">
           <a:solidFill>
             <a:schemeClr val="tx1"/>
           </a:solidFill>
@@ -3274,8 +3362,8 @@
           <a:cs typeface="+mn-cs"/>
         </a:defRPr>
       </a:lvl6pPr>
-      <a:lvl7pPr marL="2743200" algn="l" defTabSz="914400" rtl="0" eaLnBrk="1" latinLnBrk="0" hangingPunct="1">
-        <a:defRPr sz="1800" kern="1200">
+      <a:lvl7pPr marL="5040081" algn="l" defTabSz="1680027" rtl="0" eaLnBrk="1" latinLnBrk="0" hangingPunct="1">
+        <a:defRPr sz="3307" kern="1200">
           <a:solidFill>
             <a:schemeClr val="tx1"/>
           </a:solidFill>
@@ -3284,8 +3372,8 @@
           <a:cs typeface="+mn-cs"/>
         </a:defRPr>
       </a:lvl7pPr>
-      <a:lvl8pPr marL="3200400" algn="l" defTabSz="914400" rtl="0" eaLnBrk="1" latinLnBrk="0" hangingPunct="1">
-        <a:defRPr sz="1800" kern="1200">
+      <a:lvl8pPr marL="5880095" algn="l" defTabSz="1680027" rtl="0" eaLnBrk="1" latinLnBrk="0" hangingPunct="1">
+        <a:defRPr sz="3307" kern="1200">
           <a:solidFill>
             <a:schemeClr val="tx1"/>
           </a:solidFill>
@@ -3294,8 +3382,8 @@
           <a:cs typeface="+mn-cs"/>
         </a:defRPr>
       </a:lvl8pPr>
-      <a:lvl9pPr marL="3657600" algn="l" defTabSz="914400" rtl="0" eaLnBrk="1" latinLnBrk="0" hangingPunct="1">
-        <a:defRPr sz="1800" kern="1200">
+      <a:lvl9pPr marL="6720108" algn="l" defTabSz="1680027" rtl="0" eaLnBrk="1" latinLnBrk="0" hangingPunct="1">
+        <a:defRPr sz="3307" kern="1200">
           <a:solidFill>
             <a:schemeClr val="tx1"/>
           </a:solidFill>
@@ -3312,6 +3400,14 @@
 <file path=ppt/slides/slide1.xml><?xml version="1.0" encoding="utf-8"?>
 <p:sld xmlns:a="http://schemas.openxmlformats.org/drawingml/2006/main" xmlns:r="http://schemas.openxmlformats.org/officeDocument/2006/relationships" xmlns:p="http://schemas.openxmlformats.org/presentationml/2006/main">
   <p:cSld>
+    <p:bg>
+      <p:bgPr>
+        <a:solidFill>
+          <a:srgbClr val="F2F2F2"/>
+        </a:solidFill>
+        <a:effectLst/>
+      </p:bgPr>
+    </p:bg>
     <p:spTree>
       <p:nvGrpSpPr>
         <p:cNvPr id="1" name=""/>
@@ -3340,8 +3436,8 @@
         </p:nvSpPr>
         <p:spPr>
           <a:xfrm>
-            <a:off x="304610" y="328422"/>
-            <a:ext cx="5967603" cy="3139321"/>
+            <a:off x="900112" y="3050664"/>
+            <a:ext cx="3916518" cy="720197"/>
           </a:xfrm>
           <a:prstGeom prst="rect">
             <a:avLst/>
@@ -3355,86 +3451,13 @@
           <a:lstStyle/>
           <a:p>
             <a:r>
-              <a:rPr lang="de-DE" b="0" i="0" u="none" strike="noStrike" dirty="0">
+              <a:rPr lang="de-DE" dirty="0">
                 <a:solidFill>
-                  <a:srgbClr val="333333"/>
+                  <a:srgbClr val="8CD000"/>
                 </a:solidFill>
-                <a:effectLst/>
-                <a:highlight>
-                  <a:srgbClr val="FFFFFF"/>
-                </a:highlight>
                 <a:latin typeface="Arial" panose="020B0604020202020204" pitchFamily="34" charset="0"/>
               </a:rPr>
-              <a:t>„Die durchschnittlichen Effektstärken liegen nach der üblichen Einteilung nach Cohen (1988) im mittleren Bereich für die Wiedergabe von Wissen (</a:t>
-            </a:r>
-            <a:r>
-              <a:rPr lang="de-DE" b="0" i="1" u="none" strike="noStrike" dirty="0" err="1">
-                <a:solidFill>
-                  <a:srgbClr val="333333"/>
-                </a:solidFill>
-                <a:effectLst/>
-                <a:latin typeface="Arial" panose="020B0604020202020204" pitchFamily="34" charset="0"/>
-              </a:rPr>
-              <a:t>g</a:t>
-            </a:r>
-            <a:r>
-              <a:rPr lang="de-DE" b="0" i="0" u="none" strike="noStrike" dirty="0">
-                <a:solidFill>
-                  <a:srgbClr val="333333"/>
-                </a:solidFill>
-                <a:effectLst/>
-                <a:highlight>
-                  <a:srgbClr val="FFFFFF"/>
-                </a:highlight>
-                <a:latin typeface="Arial" panose="020B0604020202020204" pitchFamily="34" charset="0"/>
-              </a:rPr>
-              <a:t> = 0.53) und im kleinen Bereich für den Transfer von Wissen (</a:t>
-            </a:r>
-            <a:r>
-              <a:rPr lang="de-DE" b="0" i="1" u="none" strike="noStrike" dirty="0" err="1">
-                <a:solidFill>
-                  <a:srgbClr val="333333"/>
-                </a:solidFill>
-                <a:effectLst/>
-                <a:latin typeface="Arial" panose="020B0604020202020204" pitchFamily="34" charset="0"/>
-              </a:rPr>
-              <a:t>g</a:t>
-            </a:r>
-            <a:r>
-              <a:rPr lang="de-DE" b="0" i="0" u="none" strike="noStrike" dirty="0">
-                <a:solidFill>
-                  <a:srgbClr val="333333"/>
-                </a:solidFill>
-                <a:effectLst/>
-                <a:highlight>
-                  <a:srgbClr val="FFFFFF"/>
-                </a:highlight>
-                <a:latin typeface="Arial" panose="020B0604020202020204" pitchFamily="34" charset="0"/>
-              </a:rPr>
-              <a:t> = 0.33). Die Größe dieser Effekte bedeuten, dass ca. 70 % der SchülerInnen, die mit Lernmaterialien mit Hervorhebungen gearbeitet haben, Lerninhalte </a:t>
-            </a:r>
-            <a:r>
-              <a:rPr lang="de-DE" b="1" i="0" u="none" strike="noStrike" dirty="0">
-                <a:solidFill>
-                  <a:srgbClr val="333333"/>
-                </a:solidFill>
-                <a:effectLst/>
-                <a:latin typeface="Arial" panose="020B0604020202020204" pitchFamily="34" charset="0"/>
-              </a:rPr>
-              <a:t>besser</a:t>
-            </a:r>
-            <a:r>
-              <a:rPr lang="de-DE" b="0" i="0" u="none" strike="noStrike" dirty="0">
-                <a:solidFill>
-                  <a:srgbClr val="333333"/>
-                </a:solidFill>
-                <a:effectLst/>
-                <a:highlight>
-                  <a:srgbClr val="FFFFFF"/>
-                </a:highlight>
-                <a:latin typeface="Arial" panose="020B0604020202020204" pitchFamily="34" charset="0"/>
-              </a:rPr>
-              <a:t> wiedergeben und 62 % die Lerninhalte besser auf andere Aufgaben anwenden können als der Durchschnitt der Kontrollgruppe.“ (Wiesbeck et al., 2018, S. 5)</a:t>
+              <a:t>Quelle: Wiesbeck et al., 2018, S. 5</a:t>
             </a:r>
           </a:p>
         </p:txBody>
@@ -3454,14 +3477,14 @@
           <p:nvPr/>
         </p:nvPicPr>
         <p:blipFill>
-          <a:blip r:embed="rId2"/>
+          <a:blip r:embed="rId3"/>
           <a:stretch>
             <a:fillRect/>
           </a:stretch>
         </p:blipFill>
         <p:spPr>
           <a:xfrm>
-            <a:off x="4049712" y="3979193"/>
+            <a:off x="1075763" y="6299994"/>
             <a:ext cx="7772400" cy="2178720"/>
           </a:xfrm>
           <a:prstGeom prst="rect">
@@ -3483,8 +3506,8 @@
         </p:nvSpPr>
         <p:spPr>
           <a:xfrm>
-            <a:off x="4049712" y="6160246"/>
-            <a:ext cx="3571875" cy="369332"/>
+            <a:off x="3072145" y="8580280"/>
+            <a:ext cx="3397875" cy="720197"/>
           </a:xfrm>
           <a:prstGeom prst="rect">
             <a:avLst/>
@@ -3498,14 +3521,587 @@
           <a:lstStyle/>
           <a:p>
             <a:r>
-              <a:rPr lang="de-DE" dirty="0"/>
-              <a:t>Quelle: Backfisch et al. </a:t>
-            </a:r>
-            <a:r>
-              <a:rPr lang="de-DE"/>
-              <a:t>(2021)</a:t>
-            </a:r>
-            <a:endParaRPr lang="de-DE" dirty="0"/>
+              <a:rPr lang="de-DE" dirty="0">
+                <a:solidFill>
+                  <a:srgbClr val="8CD000"/>
+                </a:solidFill>
+                <a:latin typeface="Arial" panose="020B0604020202020204" pitchFamily="34" charset="0"/>
+                <a:cs typeface="Arial" panose="020B0604020202020204" pitchFamily="34" charset="0"/>
+              </a:rPr>
+              <a:t>Quelle: Backfisch et al. (2021)</a:t>
+            </a:r>
+          </a:p>
+        </p:txBody>
+      </p:sp>
+      <p:pic>
+        <p:nvPicPr>
+          <p:cNvPr id="3" name="Grafik 2" descr="Ein Bild, das Text, Screenshot, Schrift, Dokument enthält.&#10;&#10;Automatisch generierte Beschreibung">
+            <a:extLst>
+              <a:ext uri="{FF2B5EF4-FFF2-40B4-BE49-F238E27FC236}">
+                <a16:creationId xmlns:a16="http://schemas.microsoft.com/office/drawing/2014/main" id="{EA644B98-AAA2-2BCF-6369-5E3F0D3FC0C5}"/>
+              </a:ext>
+            </a:extLst>
+          </p:cNvPr>
+          <p:cNvPicPr>
+            <a:picLocks noChangeAspect="1"/>
+          </p:cNvPicPr>
+          <p:nvPr/>
+        </p:nvPicPr>
+        <p:blipFill>
+          <a:blip r:embed="rId4"/>
+          <a:stretch>
+            <a:fillRect/>
+          </a:stretch>
+        </p:blipFill>
+        <p:spPr>
+          <a:xfrm>
+            <a:off x="9060356" y="809237"/>
+            <a:ext cx="7772400" cy="3242118"/>
+          </a:xfrm>
+          <a:prstGeom prst="rect">
+            <a:avLst/>
+          </a:prstGeom>
+        </p:spPr>
+      </p:pic>
+      <p:sp>
+        <p:nvSpPr>
+          <p:cNvPr id="9" name="Textfeld 8">
+            <a:extLst>
+              <a:ext uri="{FF2B5EF4-FFF2-40B4-BE49-F238E27FC236}">
+                <a16:creationId xmlns:a16="http://schemas.microsoft.com/office/drawing/2014/main" id="{C424D56D-0532-CBDF-A415-0B35034AE28D}"/>
+              </a:ext>
+            </a:extLst>
+          </p:cNvPr>
+          <p:cNvSpPr txBox="1"/>
+          <p:nvPr/>
+        </p:nvSpPr>
+        <p:spPr>
+          <a:xfrm>
+            <a:off x="3980324" y="5784720"/>
+            <a:ext cx="1963278" cy="523220"/>
+          </a:xfrm>
+          <a:prstGeom prst="rect">
+            <a:avLst/>
+          </a:prstGeom>
+          <a:noFill/>
+        </p:spPr>
+        <p:txBody>
+          <a:bodyPr wrap="square" rtlCol="0">
+            <a:spAutoFit/>
+          </a:bodyPr>
+          <a:lstStyle/>
+          <a:p>
+            <a:r>
+              <a:rPr lang="de-DE" sz="2800" b="1" dirty="0" err="1">
+                <a:solidFill>
+                  <a:srgbClr val="267326"/>
+                </a:solidFill>
+                <a:latin typeface="Arial" panose="020B0604020202020204" pitchFamily="34" charset="0"/>
+                <a:cs typeface="Arial" panose="020B0604020202020204" pitchFamily="34" charset="0"/>
+              </a:rPr>
+              <a:t>Tüdibase</a:t>
+            </a:r>
+            <a:endParaRPr lang="de-DE" sz="2000" b="1" dirty="0">
+              <a:solidFill>
+                <a:srgbClr val="267326"/>
+              </a:solidFill>
+              <a:latin typeface="Arial" panose="020B0604020202020204" pitchFamily="34" charset="0"/>
+              <a:cs typeface="Arial" panose="020B0604020202020204" pitchFamily="34" charset="0"/>
+            </a:endParaRPr>
+          </a:p>
+        </p:txBody>
+      </p:sp>
+      <p:sp>
+        <p:nvSpPr>
+          <p:cNvPr id="10" name="Textfeld 9">
+            <a:extLst>
+              <a:ext uri="{FF2B5EF4-FFF2-40B4-BE49-F238E27FC236}">
+                <a16:creationId xmlns:a16="http://schemas.microsoft.com/office/drawing/2014/main" id="{16D9C0D8-DBAC-D734-CEAB-9A528C03DFED}"/>
+              </a:ext>
+            </a:extLst>
+          </p:cNvPr>
+          <p:cNvSpPr txBox="1"/>
+          <p:nvPr/>
+        </p:nvSpPr>
+        <p:spPr>
+          <a:xfrm>
+            <a:off x="10857266" y="216923"/>
+            <a:ext cx="4850943" cy="523220"/>
+          </a:xfrm>
+          <a:prstGeom prst="rect">
+            <a:avLst/>
+          </a:prstGeom>
+          <a:noFill/>
+        </p:spPr>
+        <p:txBody>
+          <a:bodyPr wrap="none" rtlCol="0">
+            <a:spAutoFit/>
+          </a:bodyPr>
+          <a:lstStyle/>
+          <a:p>
+            <a:r>
+              <a:rPr lang="de-DE" sz="2800" b="1" dirty="0" err="1">
+                <a:solidFill>
+                  <a:srgbClr val="267326"/>
+                </a:solidFill>
+                <a:latin typeface="Arial" panose="020B0604020202020204" pitchFamily="34" charset="0"/>
+                <a:cs typeface="Arial" panose="020B0604020202020204" pitchFamily="34" charset="0"/>
+              </a:rPr>
+              <a:t>What</a:t>
+            </a:r>
+            <a:r>
+              <a:rPr lang="de-DE" sz="2800" b="1" dirty="0">
+                <a:solidFill>
+                  <a:srgbClr val="267326"/>
+                </a:solidFill>
+                <a:latin typeface="Arial" panose="020B0604020202020204" pitchFamily="34" charset="0"/>
+                <a:cs typeface="Arial" panose="020B0604020202020204" pitchFamily="34" charset="0"/>
+              </a:rPr>
+              <a:t> Works Clearinghouse</a:t>
+            </a:r>
+          </a:p>
+        </p:txBody>
+      </p:sp>
+      <p:pic>
+        <p:nvPicPr>
+          <p:cNvPr id="12" name="Grafik 11" descr="Ein Bild, das Text, Schrift, weiß, Algebra enthält.&#10;&#10;Automatisch generierte Beschreibung">
+            <a:extLst>
+              <a:ext uri="{FF2B5EF4-FFF2-40B4-BE49-F238E27FC236}">
+                <a16:creationId xmlns:a16="http://schemas.microsoft.com/office/drawing/2014/main" id="{9AAB073F-248E-2816-A4A1-A6BD56A71392}"/>
+              </a:ext>
+            </a:extLst>
+          </p:cNvPr>
+          <p:cNvPicPr>
+            <a:picLocks noChangeAspect="1"/>
+          </p:cNvPicPr>
+          <p:nvPr/>
+        </p:nvPicPr>
+        <p:blipFill>
+          <a:blip r:embed="rId5"/>
+          <a:stretch>
+            <a:fillRect/>
+          </a:stretch>
+        </p:blipFill>
+        <p:spPr>
+          <a:xfrm>
+            <a:off x="900113" y="1620198"/>
+            <a:ext cx="7298191" cy="1376142"/>
+          </a:xfrm>
+          <a:prstGeom prst="rect">
+            <a:avLst/>
+          </a:prstGeom>
+        </p:spPr>
+      </p:pic>
+      <p:pic>
+        <p:nvPicPr>
+          <p:cNvPr id="8" name="Grafik 7" descr="Ein Bild, das Text, Screenshot, Schrift, Zahl enthält.&#10;&#10;Automatisch generierte Beschreibung">
+            <a:extLst>
+              <a:ext uri="{FF2B5EF4-FFF2-40B4-BE49-F238E27FC236}">
+                <a16:creationId xmlns:a16="http://schemas.microsoft.com/office/drawing/2014/main" id="{F832A570-66B7-6787-0224-64D0151A6AB8}"/>
+              </a:ext>
+            </a:extLst>
+          </p:cNvPr>
+          <p:cNvPicPr>
+            <a:picLocks noChangeAspect="1"/>
+          </p:cNvPicPr>
+          <p:nvPr/>
+        </p:nvPicPr>
+        <p:blipFill>
+          <a:blip r:embed="rId6"/>
+          <a:stretch>
+            <a:fillRect/>
+          </a:stretch>
+        </p:blipFill>
+        <p:spPr>
+          <a:xfrm>
+            <a:off x="9304669" y="2905991"/>
+            <a:ext cx="7772400" cy="1729740"/>
+          </a:xfrm>
+          <a:prstGeom prst="rect">
+            <a:avLst/>
+          </a:prstGeom>
+        </p:spPr>
+      </p:pic>
+      <p:sp>
+        <p:nvSpPr>
+          <p:cNvPr id="15" name="Textfeld 14">
+            <a:extLst>
+              <a:ext uri="{FF2B5EF4-FFF2-40B4-BE49-F238E27FC236}">
+                <a16:creationId xmlns:a16="http://schemas.microsoft.com/office/drawing/2014/main" id="{B795AAA9-8EB7-C062-46FB-EA21FE2F68F2}"/>
+              </a:ext>
+            </a:extLst>
+          </p:cNvPr>
+          <p:cNvSpPr txBox="1"/>
+          <p:nvPr/>
+        </p:nvSpPr>
+        <p:spPr>
+          <a:xfrm>
+            <a:off x="3072145" y="4858578"/>
+            <a:ext cx="3476333" cy="720197"/>
+          </a:xfrm>
+          <a:prstGeom prst="rect">
+            <a:avLst/>
+          </a:prstGeom>
+          <a:noFill/>
+        </p:spPr>
+        <p:txBody>
+          <a:bodyPr wrap="square" rtlCol="0">
+            <a:spAutoFit/>
+          </a:bodyPr>
+          <a:lstStyle/>
+          <a:p>
+            <a:r>
+              <a:rPr lang="de-DE" dirty="0">
+                <a:solidFill>
+                  <a:srgbClr val="8CD000"/>
+                </a:solidFill>
+                <a:latin typeface="Arial" panose="020B0604020202020204" pitchFamily="34" charset="0"/>
+              </a:rPr>
+              <a:t>Quelle: </a:t>
+            </a:r>
+            <a:r>
+              <a:rPr lang="de-DE" dirty="0" err="1">
+                <a:solidFill>
+                  <a:srgbClr val="8CD000"/>
+                </a:solidFill>
+                <a:latin typeface="Arial" panose="020B0604020202020204" pitchFamily="34" charset="0"/>
+              </a:rPr>
+              <a:t>Diery</a:t>
+            </a:r>
+            <a:r>
+              <a:rPr lang="de-DE" dirty="0">
+                <a:solidFill>
+                  <a:srgbClr val="8CD000"/>
+                </a:solidFill>
+                <a:latin typeface="Arial" panose="020B0604020202020204" pitchFamily="34" charset="0"/>
+              </a:rPr>
+              <a:t> et al., 2021, S. 3</a:t>
+            </a:r>
+          </a:p>
+        </p:txBody>
+      </p:sp>
+      <p:pic>
+        <p:nvPicPr>
+          <p:cNvPr id="17" name="Grafik 16" descr="Ein Bild, das Text, Schrift, Screenshot, Informationen enthält.&#10;&#10;Automatisch generierte Beschreibung">
+            <a:extLst>
+              <a:ext uri="{FF2B5EF4-FFF2-40B4-BE49-F238E27FC236}">
+                <a16:creationId xmlns:a16="http://schemas.microsoft.com/office/drawing/2014/main" id="{D2BDDD3A-3DB7-990C-BB21-1A6936D8FFAC}"/>
+              </a:ext>
+            </a:extLst>
+          </p:cNvPr>
+          <p:cNvPicPr>
+            <a:picLocks noChangeAspect="1"/>
+          </p:cNvPicPr>
+          <p:nvPr/>
+        </p:nvPicPr>
+        <p:blipFill>
+          <a:blip r:embed="rId7"/>
+          <a:stretch>
+            <a:fillRect/>
+          </a:stretch>
+        </p:blipFill>
+        <p:spPr>
+          <a:xfrm>
+            <a:off x="1227931" y="3494293"/>
+            <a:ext cx="7468064" cy="1280755"/>
+          </a:xfrm>
+          <a:prstGeom prst="rect">
+            <a:avLst/>
+          </a:prstGeom>
+        </p:spPr>
+      </p:pic>
+      <p:sp>
+        <p:nvSpPr>
+          <p:cNvPr id="18" name="Textfeld 17">
+            <a:extLst>
+              <a:ext uri="{FF2B5EF4-FFF2-40B4-BE49-F238E27FC236}">
+                <a16:creationId xmlns:a16="http://schemas.microsoft.com/office/drawing/2014/main" id="{972A68DD-531B-0D9D-4A38-7126F6B7217E}"/>
+              </a:ext>
+            </a:extLst>
+          </p:cNvPr>
+          <p:cNvSpPr txBox="1"/>
+          <p:nvPr/>
+        </p:nvSpPr>
+        <p:spPr>
+          <a:xfrm>
+            <a:off x="1681935" y="857381"/>
+            <a:ext cx="6178294" cy="523220"/>
+          </a:xfrm>
+          <a:prstGeom prst="rect">
+            <a:avLst/>
+          </a:prstGeom>
+          <a:noFill/>
+        </p:spPr>
+        <p:txBody>
+          <a:bodyPr wrap="none" rtlCol="0">
+            <a:spAutoFit/>
+          </a:bodyPr>
+          <a:lstStyle/>
+          <a:p>
+            <a:r>
+              <a:rPr lang="de-DE" sz="2800" b="1" dirty="0">
+                <a:solidFill>
+                  <a:srgbClr val="267326"/>
+                </a:solidFill>
+                <a:latin typeface="Arial" panose="020B0604020202020204" pitchFamily="34" charset="0"/>
+                <a:cs typeface="Arial" panose="020B0604020202020204" pitchFamily="34" charset="0"/>
+              </a:rPr>
+              <a:t>Clearinghouse Unterricht München</a:t>
+            </a:r>
+          </a:p>
+        </p:txBody>
+      </p:sp>
+      <p:sp>
+        <p:nvSpPr>
+          <p:cNvPr id="19" name="Textfeld 18">
+            <a:extLst>
+              <a:ext uri="{FF2B5EF4-FFF2-40B4-BE49-F238E27FC236}">
+                <a16:creationId xmlns:a16="http://schemas.microsoft.com/office/drawing/2014/main" id="{397609FA-5571-8C85-45AC-CD4B3AEDF550}"/>
+              </a:ext>
+            </a:extLst>
+          </p:cNvPr>
+          <p:cNvSpPr txBox="1"/>
+          <p:nvPr/>
+        </p:nvSpPr>
+        <p:spPr>
+          <a:xfrm>
+            <a:off x="10802408" y="8362543"/>
+            <a:ext cx="5624367" cy="369332"/>
+          </a:xfrm>
+          <a:prstGeom prst="rect">
+            <a:avLst/>
+          </a:prstGeom>
+          <a:noFill/>
+        </p:spPr>
+        <p:txBody>
+          <a:bodyPr wrap="square" rtlCol="0">
+            <a:spAutoFit/>
+          </a:bodyPr>
+          <a:lstStyle/>
+          <a:p>
+            <a:r>
+              <a:rPr lang="de-DE" dirty="0">
+                <a:solidFill>
+                  <a:srgbClr val="8CD000"/>
+                </a:solidFill>
+                <a:latin typeface="Arial" panose="020B0604020202020204" pitchFamily="34" charset="0"/>
+              </a:rPr>
+              <a:t>Quelle: </a:t>
+            </a:r>
+            <a:r>
+              <a:rPr lang="de-DE" dirty="0" err="1">
+                <a:solidFill>
+                  <a:srgbClr val="8CD000"/>
+                </a:solidFill>
+                <a:latin typeface="Arial" panose="020B0604020202020204" pitchFamily="34" charset="0"/>
+              </a:rPr>
+              <a:t>What</a:t>
+            </a:r>
+            <a:r>
+              <a:rPr lang="de-DE" dirty="0">
+                <a:solidFill>
+                  <a:srgbClr val="8CD000"/>
+                </a:solidFill>
+                <a:latin typeface="Arial" panose="020B0604020202020204" pitchFamily="34" charset="0"/>
+              </a:rPr>
+              <a:t> Works Clearinghouse, 2022, S. 1,4 &amp; 5</a:t>
+            </a:r>
+          </a:p>
+        </p:txBody>
+      </p:sp>
+      <p:pic>
+        <p:nvPicPr>
+          <p:cNvPr id="21" name="Grafik 20" descr="Ein Bild, das Text, Screenshot, Schrift, Zahl enthält.&#10;&#10;Automatisch generierte Beschreibung">
+            <a:extLst>
+              <a:ext uri="{FF2B5EF4-FFF2-40B4-BE49-F238E27FC236}">
+                <a16:creationId xmlns:a16="http://schemas.microsoft.com/office/drawing/2014/main" id="{AF3E68D4-A3EA-D3BB-7579-BF9E4907BE89}"/>
+              </a:ext>
+            </a:extLst>
+          </p:cNvPr>
+          <p:cNvPicPr>
+            <a:picLocks noChangeAspect="1"/>
+          </p:cNvPicPr>
+          <p:nvPr/>
+        </p:nvPicPr>
+        <p:blipFill>
+          <a:blip r:embed="rId8"/>
+          <a:stretch>
+            <a:fillRect/>
+          </a:stretch>
+        </p:blipFill>
+        <p:spPr>
+          <a:xfrm>
+            <a:off x="10152116" y="4635731"/>
+            <a:ext cx="6924953" cy="3726812"/>
+          </a:xfrm>
+          <a:prstGeom prst="rect">
+            <a:avLst/>
+          </a:prstGeom>
+        </p:spPr>
+      </p:pic>
+      <p:pic>
+        <p:nvPicPr>
+          <p:cNvPr id="27" name="Grafik 26" descr="Ein Bild, das Text, Screenshot, Schrift enthält.&#10;&#10;Automatisch generierte Beschreibung">
+            <a:extLst>
+              <a:ext uri="{FF2B5EF4-FFF2-40B4-BE49-F238E27FC236}">
+                <a16:creationId xmlns:a16="http://schemas.microsoft.com/office/drawing/2014/main" id="{0366D031-B5D8-84EF-C9B6-4F7853CDADEE}"/>
+              </a:ext>
+            </a:extLst>
+          </p:cNvPr>
+          <p:cNvPicPr>
+            <a:picLocks noChangeAspect="1"/>
+          </p:cNvPicPr>
+          <p:nvPr/>
+        </p:nvPicPr>
+        <p:blipFill>
+          <a:blip r:embed="rId9"/>
+          <a:stretch>
+            <a:fillRect/>
+          </a:stretch>
+        </p:blipFill>
+        <p:spPr>
+          <a:xfrm>
+            <a:off x="10433241" y="8989442"/>
+            <a:ext cx="6362700" cy="1536700"/>
+          </a:xfrm>
+          <a:prstGeom prst="rect">
+            <a:avLst/>
+          </a:prstGeom>
+        </p:spPr>
+      </p:pic>
+      <p:sp>
+        <p:nvSpPr>
+          <p:cNvPr id="28" name="Textfeld 27">
+            <a:extLst>
+              <a:ext uri="{FF2B5EF4-FFF2-40B4-BE49-F238E27FC236}">
+                <a16:creationId xmlns:a16="http://schemas.microsoft.com/office/drawing/2014/main" id="{A5C166EC-C895-59A6-A377-44E585D260DD}"/>
+              </a:ext>
+            </a:extLst>
+          </p:cNvPr>
+          <p:cNvSpPr txBox="1"/>
+          <p:nvPr/>
+        </p:nvSpPr>
+        <p:spPr>
+          <a:xfrm>
+            <a:off x="11418831" y="10783618"/>
+            <a:ext cx="4391519" cy="369332"/>
+          </a:xfrm>
+          <a:prstGeom prst="rect">
+            <a:avLst/>
+          </a:prstGeom>
+          <a:noFill/>
+        </p:spPr>
+        <p:txBody>
+          <a:bodyPr wrap="square" rtlCol="0">
+            <a:spAutoFit/>
+          </a:bodyPr>
+          <a:lstStyle/>
+          <a:p>
+            <a:r>
+              <a:rPr lang="de-DE" dirty="0">
+                <a:solidFill>
+                  <a:srgbClr val="8CD000"/>
+                </a:solidFill>
+                <a:latin typeface="Arial" panose="020B0604020202020204" pitchFamily="34" charset="0"/>
+              </a:rPr>
+              <a:t>Quelle: </a:t>
+            </a:r>
+            <a:r>
+              <a:rPr lang="de-DE" dirty="0" err="1">
+                <a:solidFill>
+                  <a:srgbClr val="8CD000"/>
+                </a:solidFill>
+                <a:latin typeface="Arial" panose="020B0604020202020204" pitchFamily="34" charset="0"/>
+              </a:rPr>
+              <a:t>What</a:t>
+            </a:r>
+            <a:r>
+              <a:rPr lang="de-DE" dirty="0">
+                <a:solidFill>
+                  <a:srgbClr val="8CD000"/>
+                </a:solidFill>
+                <a:latin typeface="Arial" panose="020B0604020202020204" pitchFamily="34" charset="0"/>
+              </a:rPr>
+              <a:t> Works Clearinghouse, 2021</a:t>
+            </a:r>
+          </a:p>
+        </p:txBody>
+      </p:sp>
+      <p:pic>
+        <p:nvPicPr>
+          <p:cNvPr id="30" name="Grafik 29" descr="Ein Bild, das Text, Schrift, Screenshot, Algebra enthält.&#10;&#10;Automatisch generierte Beschreibung">
+            <a:extLst>
+              <a:ext uri="{FF2B5EF4-FFF2-40B4-BE49-F238E27FC236}">
+                <a16:creationId xmlns:a16="http://schemas.microsoft.com/office/drawing/2014/main" id="{ADC377EE-69EA-4252-251C-700881AD24DE}"/>
+              </a:ext>
+            </a:extLst>
+          </p:cNvPr>
+          <p:cNvPicPr>
+            <a:picLocks noChangeAspect="1"/>
+          </p:cNvPicPr>
+          <p:nvPr/>
+        </p:nvPicPr>
+        <p:blipFill>
+          <a:blip r:embed="rId10"/>
+          <a:stretch>
+            <a:fillRect/>
+          </a:stretch>
+        </p:blipFill>
+        <p:spPr>
+          <a:xfrm>
+            <a:off x="1459377" y="10235588"/>
+            <a:ext cx="8495315" cy="2178719"/>
+          </a:xfrm>
+          <a:prstGeom prst="rect">
+            <a:avLst/>
+          </a:prstGeom>
+        </p:spPr>
+      </p:pic>
+      <p:sp>
+        <p:nvSpPr>
+          <p:cNvPr id="31" name="Textfeld 30">
+            <a:extLst>
+              <a:ext uri="{FF2B5EF4-FFF2-40B4-BE49-F238E27FC236}">
+                <a16:creationId xmlns:a16="http://schemas.microsoft.com/office/drawing/2014/main" id="{76CA9022-56B8-C6ED-5041-B49072017B58}"/>
+              </a:ext>
+            </a:extLst>
+          </p:cNvPr>
+          <p:cNvSpPr txBox="1"/>
+          <p:nvPr/>
+        </p:nvSpPr>
+        <p:spPr>
+          <a:xfrm>
+            <a:off x="2895109" y="9712368"/>
+            <a:ext cx="5623850" cy="523220"/>
+          </a:xfrm>
+          <a:prstGeom prst="rect">
+            <a:avLst/>
+          </a:prstGeom>
+          <a:noFill/>
+        </p:spPr>
+        <p:txBody>
+          <a:bodyPr wrap="square" rtlCol="0">
+            <a:spAutoFit/>
+          </a:bodyPr>
+          <a:lstStyle/>
+          <a:p>
+            <a:r>
+              <a:rPr lang="de-DE" sz="2800" b="1" dirty="0">
+                <a:solidFill>
+                  <a:srgbClr val="267326"/>
+                </a:solidFill>
+                <a:latin typeface="Arial" panose="020B0604020202020204" pitchFamily="34" charset="0"/>
+                <a:cs typeface="Arial" panose="020B0604020202020204" pitchFamily="34" charset="0"/>
+              </a:rPr>
+              <a:t>Teaching and Learning Toolkit</a:t>
+            </a:r>
+            <a:endParaRPr lang="de-DE" sz="2000" b="1" dirty="0">
+              <a:solidFill>
+                <a:srgbClr val="267326"/>
+              </a:solidFill>
+              <a:latin typeface="Arial" panose="020B0604020202020204" pitchFamily="34" charset="0"/>
+              <a:cs typeface="Arial" panose="020B0604020202020204" pitchFamily="34" charset="0"/>
+            </a:endParaRPr>
           </a:p>
         </p:txBody>
       </p:sp>
@@ -3523,6 +4119,321 @@
 </file>
 
 <file path=ppt/theme/theme1.xml><?xml version="1.0" encoding="utf-8"?>
+<a:theme xmlns:a="http://schemas.openxmlformats.org/drawingml/2006/main" name="Office">
+  <a:themeElements>
+    <a:clrScheme name="Office">
+      <a:dk1>
+        <a:sysClr val="windowText" lastClr="000000"/>
+      </a:dk1>
+      <a:lt1>
+        <a:sysClr val="window" lastClr="FFFFFF"/>
+      </a:lt1>
+      <a:dk2>
+        <a:srgbClr val="0E2841"/>
+      </a:dk2>
+      <a:lt2>
+        <a:srgbClr val="E8E8E8"/>
+      </a:lt2>
+      <a:accent1>
+        <a:srgbClr val="196B24"/>
+      </a:accent1>
+      <a:accent2>
+        <a:srgbClr val="4EA72E"/>
+      </a:accent2>
+      <a:accent3>
+        <a:srgbClr val="156082"/>
+      </a:accent3>
+      <a:accent4>
+        <a:srgbClr val="0F9ED5"/>
+      </a:accent4>
+      <a:accent5>
+        <a:srgbClr val="A02B93"/>
+      </a:accent5>
+      <a:accent6>
+        <a:srgbClr val="E97132"/>
+      </a:accent6>
+      <a:hlink>
+        <a:srgbClr val="538D9D"/>
+      </a:hlink>
+      <a:folHlink>
+        <a:srgbClr val="A5738E"/>
+      </a:folHlink>
+    </a:clrScheme>
+    <a:fontScheme name="Office">
+      <a:majorFont>
+        <a:latin typeface="Aptos Display" panose="02110004020202020204"/>
+        <a:ea typeface=""/>
+        <a:cs typeface=""/>
+        <a:font script="Jpan" typeface="游ゴシック Light"/>
+        <a:font script="Hang" typeface="맑은 고딕"/>
+        <a:font script="Hans" typeface="等线 Light"/>
+        <a:font script="Hant" typeface="新細明體"/>
+        <a:font script="Arab" typeface="Times New Roman"/>
+        <a:font script="Hebr" typeface="Times New Roman"/>
+        <a:font script="Thai" typeface="Angsana New"/>
+        <a:font script="Ethi" typeface="Nyala"/>
+        <a:font script="Beng" typeface="Vrinda"/>
+        <a:font script="Gujr" typeface="Shruti"/>
+        <a:font script="Khmr" typeface="MoolBoran"/>
+        <a:font script="Knda" typeface="Tunga"/>
+        <a:font script="Guru" typeface="Raavi"/>
+        <a:font script="Cans" typeface="Euphemia"/>
+        <a:font script="Cher" typeface="Plantagenet Cherokee"/>
+        <a:font script="Yiii" typeface="Microsoft Yi Baiti"/>
+        <a:font script="Tibt" typeface="Microsoft Himalaya"/>
+        <a:font script="Thaa" typeface="MV Boli"/>
+        <a:font script="Deva" typeface="Mangal"/>
+        <a:font script="Telu" typeface="Gautami"/>
+        <a:font script="Taml" typeface="Latha"/>
+        <a:font script="Syrc" typeface="Estrangelo Edessa"/>
+        <a:font script="Orya" typeface="Kalinga"/>
+        <a:font script="Mlym" typeface="Kartika"/>
+        <a:font script="Laoo" typeface="DokChampa"/>
+        <a:font script="Sinh" typeface="Iskoola Pota"/>
+        <a:font script="Mong" typeface="Mongolian Baiti"/>
+        <a:font script="Viet" typeface="Times New Roman"/>
+        <a:font script="Uigh" typeface="Microsoft Uighur"/>
+        <a:font script="Geor" typeface="Sylfaen"/>
+        <a:font script="Armn" typeface="Arial"/>
+        <a:font script="Bugi" typeface="Leelawadee UI"/>
+        <a:font script="Bopo" typeface="Microsoft JhengHei"/>
+        <a:font script="Java" typeface="Javanese Text"/>
+        <a:font script="Lisu" typeface="Segoe UI"/>
+        <a:font script="Mymr" typeface="Myanmar Text"/>
+        <a:font script="Nkoo" typeface="Ebrima"/>
+        <a:font script="Olck" typeface="Nirmala UI"/>
+        <a:font script="Osma" typeface="Ebrima"/>
+        <a:font script="Phag" typeface="Phagspa"/>
+        <a:font script="Syrn" typeface="Estrangelo Edessa"/>
+        <a:font script="Syrj" typeface="Estrangelo Edessa"/>
+        <a:font script="Syre" typeface="Estrangelo Edessa"/>
+        <a:font script="Sora" typeface="Nirmala UI"/>
+        <a:font script="Tale" typeface="Microsoft Tai Le"/>
+        <a:font script="Talu" typeface="Microsoft New Tai Lue"/>
+        <a:font script="Tfng" typeface="Ebrima"/>
+      </a:majorFont>
+      <a:minorFont>
+        <a:latin typeface="Aptos" panose="02110004020202020204"/>
+        <a:ea typeface=""/>
+        <a:cs typeface=""/>
+        <a:font script="Jpan" typeface="游ゴシック"/>
+        <a:font script="Hang" typeface="맑은 고딕"/>
+        <a:font script="Hans" typeface="等线"/>
+        <a:font script="Hant" typeface="新細明體"/>
+        <a:font script="Arab" typeface="Arial"/>
+        <a:font script="Hebr" typeface="Arial"/>
+        <a:font script="Thai" typeface="Cordia New"/>
+        <a:font script="Ethi" typeface="Nyala"/>
+        <a:font script="Beng" typeface="Vrinda"/>
+        <a:font script="Gujr" typeface="Shruti"/>
+        <a:font script="Khmr" typeface="DaunPenh"/>
+        <a:font script="Knda" typeface="Tunga"/>
+        <a:font script="Guru" typeface="Raavi"/>
+        <a:font script="Cans" typeface="Euphemia"/>
+        <a:font script="Cher" typeface="Plantagenet Cherokee"/>
+        <a:font script="Yiii" typeface="Microsoft Yi Baiti"/>
+        <a:font script="Tibt" typeface="Microsoft Himalaya"/>
+        <a:font script="Thaa" typeface="MV Boli"/>
+        <a:font script="Deva" typeface="Mangal"/>
+        <a:font script="Telu" typeface="Gautami"/>
+        <a:font script="Taml" typeface="Latha"/>
+        <a:font script="Syrc" typeface="Estrangelo Edessa"/>
+        <a:font script="Orya" typeface="Kalinga"/>
+        <a:font script="Mlym" typeface="Kartika"/>
+        <a:font script="Laoo" typeface="DokChampa"/>
+        <a:font script="Sinh" typeface="Iskoola Pota"/>
+        <a:font script="Mong" typeface="Mongolian Baiti"/>
+        <a:font script="Viet" typeface="Arial"/>
+        <a:font script="Uigh" typeface="Microsoft Uighur"/>
+        <a:font script="Geor" typeface="Sylfaen"/>
+        <a:font script="Armn" typeface="Arial"/>
+        <a:font script="Bugi" typeface="Leelawadee UI"/>
+        <a:font script="Bopo" typeface="Microsoft JhengHei"/>
+        <a:font script="Java" typeface="Javanese Text"/>
+        <a:font script="Lisu" typeface="Segoe UI"/>
+        <a:font script="Mymr" typeface="Myanmar Text"/>
+        <a:font script="Nkoo" typeface="Ebrima"/>
+        <a:font script="Olck" typeface="Nirmala UI"/>
+        <a:font script="Osma" typeface="Ebrima"/>
+        <a:font script="Phag" typeface="Phagspa"/>
+        <a:font script="Syrn" typeface="Estrangelo Edessa"/>
+        <a:font script="Syrj" typeface="Estrangelo Edessa"/>
+        <a:font script="Syre" typeface="Estrangelo Edessa"/>
+        <a:font script="Sora" typeface="Nirmala UI"/>
+        <a:font script="Tale" typeface="Microsoft Tai Le"/>
+        <a:font script="Talu" typeface="Microsoft New Tai Lue"/>
+        <a:font script="Tfng" typeface="Ebrima"/>
+      </a:minorFont>
+    </a:fontScheme>
+    <a:fmtScheme name="Office">
+      <a:fillStyleLst>
+        <a:solidFill>
+          <a:schemeClr val="phClr"/>
+        </a:solidFill>
+        <a:gradFill rotWithShape="1">
+          <a:gsLst>
+            <a:gs pos="0">
+              <a:schemeClr val="phClr">
+                <a:lumMod val="110000"/>
+                <a:satMod val="105000"/>
+                <a:tint val="67000"/>
+              </a:schemeClr>
+            </a:gs>
+            <a:gs pos="50000">
+              <a:schemeClr val="phClr">
+                <a:lumMod val="105000"/>
+                <a:satMod val="103000"/>
+                <a:tint val="73000"/>
+              </a:schemeClr>
+            </a:gs>
+            <a:gs pos="100000">
+              <a:schemeClr val="phClr">
+                <a:lumMod val="105000"/>
+                <a:satMod val="109000"/>
+                <a:tint val="81000"/>
+              </a:schemeClr>
+            </a:gs>
+          </a:gsLst>
+          <a:lin ang="5400000" scaled="0"/>
+        </a:gradFill>
+        <a:gradFill rotWithShape="1">
+          <a:gsLst>
+            <a:gs pos="0">
+              <a:schemeClr val="phClr">
+                <a:satMod val="103000"/>
+                <a:lumMod val="102000"/>
+                <a:tint val="94000"/>
+              </a:schemeClr>
+            </a:gs>
+            <a:gs pos="50000">
+              <a:schemeClr val="phClr">
+                <a:satMod val="110000"/>
+                <a:lumMod val="100000"/>
+                <a:shade val="100000"/>
+              </a:schemeClr>
+            </a:gs>
+            <a:gs pos="100000">
+              <a:schemeClr val="phClr">
+                <a:lumMod val="99000"/>
+                <a:satMod val="120000"/>
+                <a:shade val="78000"/>
+              </a:schemeClr>
+            </a:gs>
+          </a:gsLst>
+          <a:lin ang="5400000" scaled="0"/>
+        </a:gradFill>
+      </a:fillStyleLst>
+      <a:lnStyleLst>
+        <a:ln w="12700" cap="flat" cmpd="sng" algn="ctr">
+          <a:solidFill>
+            <a:schemeClr val="phClr"/>
+          </a:solidFill>
+          <a:prstDash val="solid"/>
+          <a:miter lim="800000"/>
+        </a:ln>
+        <a:ln w="19050" cap="flat" cmpd="sng" algn="ctr">
+          <a:solidFill>
+            <a:schemeClr val="phClr"/>
+          </a:solidFill>
+          <a:prstDash val="solid"/>
+          <a:miter lim="800000"/>
+        </a:ln>
+        <a:ln w="25400" cap="flat" cmpd="sng" algn="ctr">
+          <a:solidFill>
+            <a:schemeClr val="phClr"/>
+          </a:solidFill>
+          <a:prstDash val="solid"/>
+          <a:miter lim="800000"/>
+        </a:ln>
+      </a:lnStyleLst>
+      <a:effectStyleLst>
+        <a:effectStyle>
+          <a:effectLst/>
+        </a:effectStyle>
+        <a:effectStyle>
+          <a:effectLst/>
+        </a:effectStyle>
+        <a:effectStyle>
+          <a:effectLst>
+            <a:outerShdw blurRad="57150" dist="19050" dir="5400000" algn="ctr" rotWithShape="0">
+              <a:srgbClr val="000000">
+                <a:alpha val="63000"/>
+              </a:srgbClr>
+            </a:outerShdw>
+          </a:effectLst>
+        </a:effectStyle>
+      </a:effectStyleLst>
+      <a:bgFillStyleLst>
+        <a:solidFill>
+          <a:schemeClr val="phClr"/>
+        </a:solidFill>
+        <a:solidFill>
+          <a:schemeClr val="phClr">
+            <a:tint val="95000"/>
+            <a:satMod val="170000"/>
+          </a:schemeClr>
+        </a:solidFill>
+        <a:gradFill rotWithShape="1">
+          <a:gsLst>
+            <a:gs pos="0">
+              <a:schemeClr val="phClr">
+                <a:tint val="93000"/>
+                <a:satMod val="150000"/>
+                <a:shade val="98000"/>
+                <a:lumMod val="102000"/>
+              </a:schemeClr>
+            </a:gs>
+            <a:gs pos="50000">
+              <a:schemeClr val="phClr">
+                <a:tint val="98000"/>
+                <a:satMod val="130000"/>
+                <a:shade val="90000"/>
+                <a:lumMod val="103000"/>
+              </a:schemeClr>
+            </a:gs>
+            <a:gs pos="100000">
+              <a:schemeClr val="phClr">
+                <a:shade val="63000"/>
+                <a:satMod val="120000"/>
+              </a:schemeClr>
+            </a:gs>
+          </a:gsLst>
+          <a:lin ang="5400000" scaled="0"/>
+        </a:gradFill>
+      </a:bgFillStyleLst>
+    </a:fmtScheme>
+  </a:themeElements>
+  <a:objectDefaults>
+    <a:lnDef>
+      <a:spPr/>
+      <a:bodyPr/>
+      <a:lstStyle/>
+      <a:style>
+        <a:lnRef idx="2">
+          <a:schemeClr val="accent1"/>
+        </a:lnRef>
+        <a:fillRef idx="0">
+          <a:schemeClr val="accent1"/>
+        </a:fillRef>
+        <a:effectRef idx="1">
+          <a:schemeClr val="accent1"/>
+        </a:effectRef>
+        <a:fontRef idx="minor">
+          <a:schemeClr val="tx1"/>
+        </a:fontRef>
+      </a:style>
+    </a:lnDef>
+  </a:objectDefaults>
+  <a:extraClrSchemeLst/>
+  <a:extLst>
+    <a:ext uri="{05A4C25C-085E-4340-85A3-A5531E510DB2}">
+      <thm15:themeFamily xmlns:thm15="http://schemas.microsoft.com/office/thememl/2012/main" name="Office Theme" id="{2E142A2C-CD16-42D6-873A-C26D2A0506FA}" vid="{C0A3E416-13B0-4CFE-8B85-8989D8AEFB51}"/>
+    </a:ext>
+  </a:extLst>
+</a:theme>
+</file>
+
+<file path=ppt/theme/theme2.xml><?xml version="1.0" encoding="utf-8"?>
 <a:theme xmlns:a="http://schemas.openxmlformats.org/drawingml/2006/main" name="Office">
   <a:themeElements>
     <a:clrScheme name="Office">
